--- a/DS russian spies.pptx
+++ b/DS russian spies.pptx
@@ -5,7 +5,7 @@
     <p:sldMasterId id="2147483648" r:id="rId1"/>
   </p:sldMasterIdLst>
   <p:notesMasterIdLst>
-    <p:notesMasterId r:id="rId7"/>
+    <p:notesMasterId r:id="rId12"/>
   </p:notesMasterIdLst>
   <p:sldIdLst>
     <p:sldId id="256" r:id="rId2"/>
@@ -13,6 +13,11 @@
     <p:sldId id="260" r:id="rId4"/>
     <p:sldId id="258" r:id="rId5"/>
     <p:sldId id="259" r:id="rId6"/>
+    <p:sldId id="261" r:id="rId7"/>
+    <p:sldId id="262" r:id="rId8"/>
+    <p:sldId id="263" r:id="rId9"/>
+    <p:sldId id="265" r:id="rId10"/>
+    <p:sldId id="264" r:id="rId11"/>
   </p:sldIdLst>
   <p:sldSz cx="12192000" cy="6858000"/>
   <p:notesSz cx="6858000" cy="9144000"/>
@@ -201,7 +206,7 @@
           <a:p>
             <a:fld id="{DEA92A11-3E11-FE4C-A5BE-CF9019320182}" type="datetimeFigureOut">
               <a:rPr lang="en-RU" smtClean="0"/>
-              <a:t>20/10/2020</a:t>
+              <a:t>21/10/2020</a:t>
             </a:fld>
             <a:endParaRPr lang="en-RU"/>
           </a:p>
@@ -553,6 +558,174 @@
 </p:notes>
 </file>
 
+<file path=ppt/notesSlides/notesSlide2.xml><?xml version="1.0" encoding="utf-8"?>
+<p:notes xmlns:a="http://schemas.openxmlformats.org/drawingml/2006/main" xmlns:r="http://schemas.openxmlformats.org/officeDocument/2006/relationships" xmlns:p="http://schemas.openxmlformats.org/presentationml/2006/main">
+  <p:cSld>
+    <p:spTree>
+      <p:nvGrpSpPr>
+        <p:cNvPr id="1" name=""/>
+        <p:cNvGrpSpPr/>
+        <p:nvPr/>
+      </p:nvGrpSpPr>
+      <p:grpSpPr>
+        <a:xfrm>
+          <a:off x="0" y="0"/>
+          <a:ext cx="0" cy="0"/>
+          <a:chOff x="0" y="0"/>
+          <a:chExt cx="0" cy="0"/>
+        </a:xfrm>
+      </p:grpSpPr>
+      <p:sp>
+        <p:nvSpPr>
+          <p:cNvPr id="2" name="Slide Image Placeholder 1"/>
+          <p:cNvSpPr>
+            <a:spLocks noGrp="1" noRot="1" noChangeAspect="1"/>
+          </p:cNvSpPr>
+          <p:nvPr>
+            <p:ph type="sldImg"/>
+          </p:nvPr>
+        </p:nvSpPr>
+        <p:spPr/>
+      </p:sp>
+      <p:sp>
+        <p:nvSpPr>
+          <p:cNvPr id="3" name="Notes Placeholder 2"/>
+          <p:cNvSpPr>
+            <a:spLocks noGrp="1"/>
+          </p:cNvSpPr>
+          <p:nvPr>
+            <p:ph type="body" idx="1"/>
+          </p:nvPr>
+        </p:nvSpPr>
+        <p:spPr/>
+        <p:txBody>
+          <a:bodyPr/>
+          <a:lstStyle/>
+          <a:p>
+            <a:endParaRPr lang="en-RU" dirty="0"/>
+          </a:p>
+        </p:txBody>
+      </p:sp>
+      <p:sp>
+        <p:nvSpPr>
+          <p:cNvPr id="4" name="Slide Number Placeholder 3"/>
+          <p:cNvSpPr>
+            <a:spLocks noGrp="1"/>
+          </p:cNvSpPr>
+          <p:nvPr>
+            <p:ph type="sldNum" sz="quarter" idx="5"/>
+          </p:nvPr>
+        </p:nvSpPr>
+        <p:spPr/>
+        <p:txBody>
+          <a:bodyPr/>
+          <a:lstStyle/>
+          <a:p>
+            <a:fld id="{C453770C-8A21-0B46-B56F-B1A92D0250B8}" type="slidenum">
+              <a:rPr lang="en-RU" smtClean="0"/>
+              <a:t>2</a:t>
+            </a:fld>
+            <a:endParaRPr lang="en-RU"/>
+          </a:p>
+        </p:txBody>
+      </p:sp>
+    </p:spTree>
+    <p:extLst>
+      <p:ext uri="{BB962C8B-B14F-4D97-AF65-F5344CB8AC3E}">
+        <p14:creationId xmlns:p14="http://schemas.microsoft.com/office/powerpoint/2010/main" val="141859216"/>
+      </p:ext>
+    </p:extLst>
+  </p:cSld>
+  <p:clrMapOvr>
+    <a:masterClrMapping/>
+  </p:clrMapOvr>
+</p:notes>
+</file>
+
+<file path=ppt/notesSlides/notesSlide3.xml><?xml version="1.0" encoding="utf-8"?>
+<p:notes xmlns:a="http://schemas.openxmlformats.org/drawingml/2006/main" xmlns:r="http://schemas.openxmlformats.org/officeDocument/2006/relationships" xmlns:p="http://schemas.openxmlformats.org/presentationml/2006/main">
+  <p:cSld>
+    <p:spTree>
+      <p:nvGrpSpPr>
+        <p:cNvPr id="1" name=""/>
+        <p:cNvGrpSpPr/>
+        <p:nvPr/>
+      </p:nvGrpSpPr>
+      <p:grpSpPr>
+        <a:xfrm>
+          <a:off x="0" y="0"/>
+          <a:ext cx="0" cy="0"/>
+          <a:chOff x="0" y="0"/>
+          <a:chExt cx="0" cy="0"/>
+        </a:xfrm>
+      </p:grpSpPr>
+      <p:sp>
+        <p:nvSpPr>
+          <p:cNvPr id="2" name="Slide Image Placeholder 1"/>
+          <p:cNvSpPr>
+            <a:spLocks noGrp="1" noRot="1" noChangeAspect="1"/>
+          </p:cNvSpPr>
+          <p:nvPr>
+            <p:ph type="sldImg"/>
+          </p:nvPr>
+        </p:nvSpPr>
+        <p:spPr/>
+      </p:sp>
+      <p:sp>
+        <p:nvSpPr>
+          <p:cNvPr id="3" name="Notes Placeholder 2"/>
+          <p:cNvSpPr>
+            <a:spLocks noGrp="1"/>
+          </p:cNvSpPr>
+          <p:nvPr>
+            <p:ph type="body" idx="1"/>
+          </p:nvPr>
+        </p:nvSpPr>
+        <p:spPr/>
+        <p:txBody>
+          <a:bodyPr/>
+          <a:lstStyle/>
+          <a:p>
+            <a:endParaRPr lang="en-RU" dirty="0"/>
+          </a:p>
+        </p:txBody>
+      </p:sp>
+      <p:sp>
+        <p:nvSpPr>
+          <p:cNvPr id="4" name="Slide Number Placeholder 3"/>
+          <p:cNvSpPr>
+            <a:spLocks noGrp="1"/>
+          </p:cNvSpPr>
+          <p:nvPr>
+            <p:ph type="sldNum" sz="quarter" idx="5"/>
+          </p:nvPr>
+        </p:nvSpPr>
+        <p:spPr/>
+        <p:txBody>
+          <a:bodyPr/>
+          <a:lstStyle/>
+          <a:p>
+            <a:fld id="{C453770C-8A21-0B46-B56F-B1A92D0250B8}" type="slidenum">
+              <a:rPr lang="en-RU" smtClean="0"/>
+              <a:t>4</a:t>
+            </a:fld>
+            <a:endParaRPr lang="en-RU"/>
+          </a:p>
+        </p:txBody>
+      </p:sp>
+    </p:spTree>
+    <p:extLst>
+      <p:ext uri="{BB962C8B-B14F-4D97-AF65-F5344CB8AC3E}">
+        <p14:creationId xmlns:p14="http://schemas.microsoft.com/office/powerpoint/2010/main" val="3046354466"/>
+      </p:ext>
+    </p:extLst>
+  </p:cSld>
+  <p:clrMapOvr>
+    <a:masterClrMapping/>
+  </p:clrMapOvr>
+</p:notes>
+</file>
+
 <file path=ppt/slideLayouts/slideLayout1.xml><?xml version="1.0" encoding="utf-8"?>
 <p:sldLayout xmlns:a="http://schemas.openxmlformats.org/drawingml/2006/main" xmlns:r="http://schemas.openxmlformats.org/officeDocument/2006/relationships" xmlns:p="http://schemas.openxmlformats.org/presentationml/2006/main" type="title" preserve="1">
   <p:cSld name="Title Slide">
@@ -702,7 +875,7 @@
           <a:p>
             <a:fld id="{53D0413E-8582-FF48-8551-B8CC13B743D9}" type="datetimeFigureOut">
               <a:rPr lang="en-RU" smtClean="0"/>
-              <a:t>20/10/2020</a:t>
+              <a:t>21/10/2020</a:t>
             </a:fld>
             <a:endParaRPr lang="en-RU"/>
           </a:p>
@@ -902,7 +1075,7 @@
           <a:p>
             <a:fld id="{53D0413E-8582-FF48-8551-B8CC13B743D9}" type="datetimeFigureOut">
               <a:rPr lang="en-RU" smtClean="0"/>
-              <a:t>20/10/2020</a:t>
+              <a:t>21/10/2020</a:t>
             </a:fld>
             <a:endParaRPr lang="en-RU"/>
           </a:p>
@@ -1112,7 +1285,7 @@
           <a:p>
             <a:fld id="{53D0413E-8582-FF48-8551-B8CC13B743D9}" type="datetimeFigureOut">
               <a:rPr lang="en-RU" smtClean="0"/>
-              <a:t>20/10/2020</a:t>
+              <a:t>21/10/2020</a:t>
             </a:fld>
             <a:endParaRPr lang="en-RU"/>
           </a:p>
@@ -1312,7 +1485,7 @@
           <a:p>
             <a:fld id="{53D0413E-8582-FF48-8551-B8CC13B743D9}" type="datetimeFigureOut">
               <a:rPr lang="en-RU" smtClean="0"/>
-              <a:t>20/10/2020</a:t>
+              <a:t>21/10/2020</a:t>
             </a:fld>
             <a:endParaRPr lang="en-RU"/>
           </a:p>
@@ -1588,7 +1761,7 @@
           <a:p>
             <a:fld id="{53D0413E-8582-FF48-8551-B8CC13B743D9}" type="datetimeFigureOut">
               <a:rPr lang="en-RU" smtClean="0"/>
-              <a:t>20/10/2020</a:t>
+              <a:t>21/10/2020</a:t>
             </a:fld>
             <a:endParaRPr lang="en-RU"/>
           </a:p>
@@ -1856,7 +2029,7 @@
           <a:p>
             <a:fld id="{53D0413E-8582-FF48-8551-B8CC13B743D9}" type="datetimeFigureOut">
               <a:rPr lang="en-RU" smtClean="0"/>
-              <a:t>20/10/2020</a:t>
+              <a:t>21/10/2020</a:t>
             </a:fld>
             <a:endParaRPr lang="en-RU"/>
           </a:p>
@@ -2271,7 +2444,7 @@
           <a:p>
             <a:fld id="{53D0413E-8582-FF48-8551-B8CC13B743D9}" type="datetimeFigureOut">
               <a:rPr lang="en-RU" smtClean="0"/>
-              <a:t>20/10/2020</a:t>
+              <a:t>21/10/2020</a:t>
             </a:fld>
             <a:endParaRPr lang="en-RU"/>
           </a:p>
@@ -2413,7 +2586,7 @@
           <a:p>
             <a:fld id="{53D0413E-8582-FF48-8551-B8CC13B743D9}" type="datetimeFigureOut">
               <a:rPr lang="en-RU" smtClean="0"/>
-              <a:t>20/10/2020</a:t>
+              <a:t>21/10/2020</a:t>
             </a:fld>
             <a:endParaRPr lang="en-RU"/>
           </a:p>
@@ -2526,7 +2699,7 @@
           <a:p>
             <a:fld id="{53D0413E-8582-FF48-8551-B8CC13B743D9}" type="datetimeFigureOut">
               <a:rPr lang="en-RU" smtClean="0"/>
-              <a:t>20/10/2020</a:t>
+              <a:t>21/10/2020</a:t>
             </a:fld>
             <a:endParaRPr lang="en-RU"/>
           </a:p>
@@ -2839,7 +3012,7 @@
           <a:p>
             <a:fld id="{53D0413E-8582-FF48-8551-B8CC13B743D9}" type="datetimeFigureOut">
               <a:rPr lang="en-RU" smtClean="0"/>
-              <a:t>20/10/2020</a:t>
+              <a:t>21/10/2020</a:t>
             </a:fld>
             <a:endParaRPr lang="en-RU"/>
           </a:p>
@@ -3128,7 +3301,7 @@
           <a:p>
             <a:fld id="{53D0413E-8582-FF48-8551-B8CC13B743D9}" type="datetimeFigureOut">
               <a:rPr lang="en-RU" smtClean="0"/>
-              <a:t>20/10/2020</a:t>
+              <a:t>21/10/2020</a:t>
             </a:fld>
             <a:endParaRPr lang="en-RU"/>
           </a:p>
@@ -3371,7 +3544,7 @@
           <a:p>
             <a:fld id="{53D0413E-8582-FF48-8551-B8CC13B743D9}" type="datetimeFigureOut">
               <a:rPr lang="en-RU" smtClean="0"/>
-              <a:t>20/10/2020</a:t>
+              <a:t>21/10/2020</a:t>
             </a:fld>
             <a:endParaRPr lang="en-RU"/>
           </a:p>
@@ -4217,6 +4390,288 @@
   <p:clrMapOvr>
     <a:masterClrMapping/>
   </p:clrMapOvr>
+  <mc:AlternateContent xmlns:mc="http://schemas.openxmlformats.org/markup-compatibility/2006" xmlns:p159="http://schemas.microsoft.com/office/powerpoint/2015/09/main">
+    <mc:Choice Requires="p159">
+      <p:transition xmlns:p14="http://schemas.microsoft.com/office/powerpoint/2010/main" spd="slow" p14:dur="2000">
+        <p159:morph option="byObject"/>
+      </p:transition>
+    </mc:Choice>
+    <mc:Fallback xmlns="">
+      <p:transition spd="slow">
+        <p:fade/>
+      </p:transition>
+    </mc:Fallback>
+  </mc:AlternateContent>
+</p:sld>
+</file>
+
+<file path=ppt/slides/slide10.xml><?xml version="1.0" encoding="utf-8"?>
+<p:sld xmlns:a="http://schemas.openxmlformats.org/drawingml/2006/main" xmlns:r="http://schemas.openxmlformats.org/officeDocument/2006/relationships" xmlns:p="http://schemas.openxmlformats.org/presentationml/2006/main">
+  <p:cSld>
+    <p:spTree>
+      <p:nvGrpSpPr>
+        <p:cNvPr id="1" name=""/>
+        <p:cNvGrpSpPr/>
+        <p:nvPr/>
+      </p:nvGrpSpPr>
+      <p:grpSpPr>
+        <a:xfrm>
+          <a:off x="0" y="0"/>
+          <a:ext cx="0" cy="0"/>
+          <a:chOff x="0" y="0"/>
+          <a:chExt cx="0" cy="0"/>
+        </a:xfrm>
+      </p:grpSpPr>
+      <p:sp>
+        <p:nvSpPr>
+          <p:cNvPr id="3" name="Content Placeholder 2">
+            <a:extLst>
+              <a:ext uri="{FF2B5EF4-FFF2-40B4-BE49-F238E27FC236}">
+                <a16:creationId xmlns:a16="http://schemas.microsoft.com/office/drawing/2014/main" id="{78E1FD0A-74AD-5E40-9975-F9D08B564F8B}"/>
+              </a:ext>
+            </a:extLst>
+          </p:cNvPr>
+          <p:cNvSpPr>
+            <a:spLocks noGrp="1"/>
+          </p:cNvSpPr>
+          <p:nvPr>
+            <p:ph idx="1"/>
+          </p:nvPr>
+        </p:nvSpPr>
+        <p:spPr>
+          <a:xfrm>
+            <a:off x="3820886" y="404699"/>
+            <a:ext cx="4223658" cy="688975"/>
+          </a:xfrm>
+        </p:spPr>
+        <p:txBody>
+          <a:bodyPr>
+            <a:normAutofit/>
+          </a:bodyPr>
+          <a:lstStyle/>
+          <a:p>
+            <a:pPr marL="0" indent="0">
+              <a:buNone/>
+            </a:pPr>
+            <a:r>
+              <a:rPr lang="en-RU" sz="3800" dirty="0">
+                <a:latin typeface="+mj-lt"/>
+              </a:rPr>
+              <a:t>List of </a:t>
+            </a:r>
+            <a:r>
+              <a:rPr lang="en-US" sz="3800" dirty="0">
+                <a:latin typeface="+mj-lt"/>
+              </a:rPr>
+              <a:t>caught </a:t>
+            </a:r>
+            <a:r>
+              <a:rPr lang="en-RU" sz="3800" dirty="0">
+                <a:latin typeface="+mj-lt"/>
+              </a:rPr>
+              <a:t>spies:</a:t>
+            </a:r>
+          </a:p>
+        </p:txBody>
+      </p:sp>
+      <p:sp>
+        <p:nvSpPr>
+          <p:cNvPr id="4" name="Rounded Rectangle 3">
+            <a:extLst>
+              <a:ext uri="{FF2B5EF4-FFF2-40B4-BE49-F238E27FC236}">
+                <a16:creationId xmlns:a16="http://schemas.microsoft.com/office/drawing/2014/main" id="{D0DCD6A8-ED6F-A642-9A1B-E4DA9DC8C816}"/>
+              </a:ext>
+            </a:extLst>
+          </p:cNvPr>
+          <p:cNvSpPr/>
+          <p:nvPr/>
+        </p:nvSpPr>
+        <p:spPr>
+          <a:xfrm>
+            <a:off x="296110" y="202179"/>
+            <a:ext cx="2936948" cy="1094016"/>
+          </a:xfrm>
+          <a:prstGeom prst="roundRect">
+            <a:avLst/>
+          </a:prstGeom>
+        </p:spPr>
+        <p:style>
+          <a:lnRef idx="2">
+            <a:schemeClr val="dk1">
+              <a:shade val="50000"/>
+            </a:schemeClr>
+          </a:lnRef>
+          <a:fillRef idx="1">
+            <a:schemeClr val="dk1"/>
+          </a:fillRef>
+          <a:effectRef idx="0">
+            <a:schemeClr val="dk1"/>
+          </a:effectRef>
+          <a:fontRef idx="minor">
+            <a:schemeClr val="lt1"/>
+          </a:fontRef>
+        </p:style>
+        <p:txBody>
+          <a:bodyPr rtlCol="0" anchor="ctr"/>
+          <a:lstStyle/>
+          <a:p>
+            <a:pPr algn="ctr"/>
+            <a:r>
+              <a:rPr lang="en-US" sz="3200" dirty="0">
+                <a:solidFill>
+                  <a:schemeClr val="bg1"/>
+                </a:solidFill>
+              </a:rPr>
+              <a:t>Model Building: </a:t>
+            </a:r>
+            <a:r>
+              <a:rPr lang="en-GB" sz="3200" dirty="0">
+                <a:solidFill>
+                  <a:schemeClr val="bg1"/>
+                </a:solidFill>
+              </a:rPr>
+              <a:t>Results</a:t>
+            </a:r>
+            <a:endParaRPr lang="en-RU" sz="3200" dirty="0">
+              <a:solidFill>
+                <a:schemeClr val="bg1"/>
+              </a:solidFill>
+            </a:endParaRPr>
+          </a:p>
+        </p:txBody>
+      </p:sp>
+      <p:pic>
+        <p:nvPicPr>
+          <p:cNvPr id="6" name="Picture 5">
+            <a:extLst>
+              <a:ext uri="{FF2B5EF4-FFF2-40B4-BE49-F238E27FC236}">
+                <a16:creationId xmlns:a16="http://schemas.microsoft.com/office/drawing/2014/main" id="{12DF6C93-E3FC-A140-B178-9511BA9E5E1C}"/>
+              </a:ext>
+            </a:extLst>
+          </p:cNvPr>
+          <p:cNvPicPr>
+            <a:picLocks noChangeAspect="1"/>
+          </p:cNvPicPr>
+          <p:nvPr/>
+        </p:nvPicPr>
+        <p:blipFill>
+          <a:blip r:embed="rId2"/>
+          <a:stretch>
+            <a:fillRect/>
+          </a:stretch>
+        </p:blipFill>
+        <p:spPr>
+          <a:xfrm>
+            <a:off x="296110" y="1296195"/>
+            <a:ext cx="9441832" cy="5359628"/>
+          </a:xfrm>
+          <a:prstGeom prst="rect">
+            <a:avLst/>
+          </a:prstGeom>
+        </p:spPr>
+      </p:pic>
+      <p:pic>
+        <p:nvPicPr>
+          <p:cNvPr id="5122" name="Picture 2" descr="Logo, Computer Icons, Silhouette, Black, Black And - Spy Clipart Black And  White | Transparent PNG Download #726989 - Vippng">
+            <a:extLst>
+              <a:ext uri="{FF2B5EF4-FFF2-40B4-BE49-F238E27FC236}">
+                <a16:creationId xmlns:a16="http://schemas.microsoft.com/office/drawing/2014/main" id="{E71A304C-2F07-7940-838D-028FF394A50A}"/>
+              </a:ext>
+            </a:extLst>
+          </p:cNvPr>
+          <p:cNvPicPr>
+            <a:picLocks noChangeAspect="1" noChangeArrowheads="1"/>
+          </p:cNvPicPr>
+          <p:nvPr/>
+        </p:nvPicPr>
+        <p:blipFill>
+          <a:blip r:embed="rId3">
+            <a:extLst>
+              <a:ext uri="{28A0092B-C50C-407E-A947-70E740481C1C}">
+                <a14:useLocalDpi xmlns:a14="http://schemas.microsoft.com/office/drawing/2010/main" val="0"/>
+              </a:ext>
+            </a:extLst>
+          </a:blip>
+          <a:srcRect/>
+          <a:stretch>
+            <a:fillRect/>
+          </a:stretch>
+        </p:blipFill>
+        <p:spPr bwMode="auto">
+          <a:xfrm>
+            <a:off x="9737942" y="323055"/>
+            <a:ext cx="2404587" cy="2645229"/>
+          </a:xfrm>
+          <a:prstGeom prst="rect">
+            <a:avLst/>
+          </a:prstGeom>
+          <a:noFill/>
+          <a:extLst>
+            <a:ext uri="{909E8E84-426E-40DD-AFC4-6F175D3DCCD1}">
+              <a14:hiddenFill xmlns:a14="http://schemas.microsoft.com/office/drawing/2010/main">
+                <a:solidFill>
+                  <a:srgbClr val="FFFFFF"/>
+                </a:solidFill>
+              </a14:hiddenFill>
+            </a:ext>
+          </a:extLst>
+        </p:spPr>
+      </p:pic>
+      <p:pic>
+        <p:nvPicPr>
+          <p:cNvPr id="5124" name="Picture 4" descr="Handcuffs Svg Hand Cuffs Svg Police Svg Silhouette Vector | Etsy">
+            <a:extLst>
+              <a:ext uri="{FF2B5EF4-FFF2-40B4-BE49-F238E27FC236}">
+                <a16:creationId xmlns:a16="http://schemas.microsoft.com/office/drawing/2014/main" id="{439D0762-5EB0-3B46-86A3-ECCA30856F81}"/>
+              </a:ext>
+            </a:extLst>
+          </p:cNvPr>
+          <p:cNvPicPr>
+            <a:picLocks noChangeAspect="1" noChangeArrowheads="1"/>
+          </p:cNvPicPr>
+          <p:nvPr/>
+        </p:nvPicPr>
+        <p:blipFill rotWithShape="1">
+          <a:blip r:embed="rId4">
+            <a:extLst>
+              <a:ext uri="{28A0092B-C50C-407E-A947-70E740481C1C}">
+                <a14:useLocalDpi xmlns:a14="http://schemas.microsoft.com/office/drawing/2010/main" val="0"/>
+              </a:ext>
+            </a:extLst>
+          </a:blip>
+          <a:srcRect l="20601" t="1398" r="23083" b="4640"/>
+          <a:stretch/>
+        </p:blipFill>
+        <p:spPr bwMode="auto">
+          <a:xfrm>
+            <a:off x="9968685" y="3199686"/>
+            <a:ext cx="1943101" cy="2434389"/>
+          </a:xfrm>
+          <a:prstGeom prst="rect">
+            <a:avLst/>
+          </a:prstGeom>
+          <a:noFill/>
+          <a:extLst>
+            <a:ext uri="{909E8E84-426E-40DD-AFC4-6F175D3DCCD1}">
+              <a14:hiddenFill xmlns:a14="http://schemas.microsoft.com/office/drawing/2010/main">
+                <a:solidFill>
+                  <a:srgbClr val="FFFFFF"/>
+                </a:solidFill>
+              </a14:hiddenFill>
+            </a:ext>
+          </a:extLst>
+        </p:spPr>
+      </p:pic>
+    </p:spTree>
+    <p:extLst>
+      <p:ext uri="{BB962C8B-B14F-4D97-AF65-F5344CB8AC3E}">
+        <p14:creationId xmlns:p14="http://schemas.microsoft.com/office/powerpoint/2010/main" val="1380612976"/>
+      </p:ext>
+    </p:extLst>
+  </p:cSld>
+  <p:clrMapOvr>
+    <a:masterClrMapping/>
+  </p:clrMapOvr>
   <mc:AlternateContent xmlns:mc="http://schemas.openxmlformats.org/markup-compatibility/2006">
     <mc:Choice xmlns:p159="http://schemas.microsoft.com/office/powerpoint/2015/09/main" Requires="p159">
       <p:transition xmlns:p14="http://schemas.microsoft.com/office/powerpoint/2010/main" spd="slow" p14:dur="2000">
@@ -4293,8 +4748,8 @@
         </p:nvSpPr>
         <p:spPr>
           <a:xfrm>
-            <a:off x="4328984" y="2121136"/>
-            <a:ext cx="6771503" cy="4736864"/>
+            <a:off x="3615199" y="1653987"/>
+            <a:ext cx="6771503" cy="5087815"/>
           </a:xfrm>
         </p:spPr>
         <p:txBody>
@@ -4310,6 +4765,7 @@
               <a:rPr lang="en-US" sz="3400" dirty="0"/>
               <a:t>Data sources:</a:t>
             </a:r>
+            <a:endParaRPr lang="ru-RU" sz="3400" dirty="0"/>
           </a:p>
           <a:p>
             <a:pPr marL="0" indent="0">
@@ -4391,6 +4847,17 @@
               </a:rPr>
               <a:t>Exchange.yaml</a:t>
             </a:r>
+            <a:endParaRPr lang="ru-RU" sz="3200" dirty="0">
+              <a:latin typeface="+mj-lt"/>
+            </a:endParaRPr>
+          </a:p>
+          <a:p>
+            <a:r>
+              <a:rPr lang="en-GB" sz="3200" dirty="0" err="1">
+                <a:latin typeface="+mj-lt"/>
+              </a:rPr>
+              <a:t>YourBoardingPassDotAero.zip</a:t>
+            </a:r>
             <a:endParaRPr lang="en-GB" sz="3200" dirty="0">
               <a:latin typeface="+mj-lt"/>
             </a:endParaRPr>
@@ -4417,7 +4884,7 @@
         </p:nvSpPr>
         <p:spPr>
           <a:xfrm>
-            <a:off x="4328984" y="206793"/>
+            <a:off x="4760016" y="103397"/>
             <a:ext cx="2671967" cy="1447194"/>
           </a:xfrm>
           <a:prstGeom prst="roundRect">
@@ -4476,12 +4943,12 @@
           <p:nvPr/>
         </p:nvPicPr>
         <p:blipFill rotWithShape="1">
-          <a:blip r:embed="rId2">
+          <a:blip r:embed="rId3">
             <a:alphaModFix/>
             <a:extLst>
               <a:ext uri="{BEBA8EAE-BF5A-486C-A8C5-ECC9F3942E4B}">
                 <a14:imgProps xmlns:a14="http://schemas.microsoft.com/office/drawing/2010/main">
-                  <a14:imgLayer r:embed="rId3">
+                  <a14:imgLayer r:embed="rId4">
                     <a14:imgEffect>
                       <a14:colorTemperature colorTemp="6133"/>
                     </a14:imgEffect>
@@ -4501,8 +4968,8 @@
         </p:blipFill>
         <p:spPr bwMode="auto">
           <a:xfrm>
-            <a:off x="7916563" y="0"/>
-            <a:ext cx="4275437" cy="3748003"/>
+            <a:off x="8393723" y="1"/>
+            <a:ext cx="3798276" cy="3329706"/>
           </a:xfrm>
           <a:prstGeom prst="rect">
             <a:avLst/>
@@ -4529,13 +4996,13 @@
   <p:clrMapOvr>
     <a:masterClrMapping/>
   </p:clrMapOvr>
-  <mc:AlternateContent xmlns:mc="http://schemas.openxmlformats.org/markup-compatibility/2006">
-    <mc:Choice xmlns:p159="http://schemas.microsoft.com/office/powerpoint/2015/09/main" Requires="p159">
+  <mc:AlternateContent xmlns:mc="http://schemas.openxmlformats.org/markup-compatibility/2006" xmlns:p159="http://schemas.microsoft.com/office/powerpoint/2015/09/main">
+    <mc:Choice Requires="p159">
       <p:transition xmlns:p14="http://schemas.microsoft.com/office/powerpoint/2010/main" spd="slow" p14:dur="2000">
         <p159:morph option="byObject"/>
       </p:transition>
     </mc:Choice>
-    <mc:Fallback>
+    <mc:Fallback xmlns="">
       <p:transition spd="slow">
         <p:fade/>
       </p:transition>
@@ -4551,7 +5018,7 @@
       <p:bgPr>
         <a:gradFill>
           <a:gsLst>
-            <a:gs pos="74000">
+            <a:gs pos="93000">
               <a:schemeClr val="accent3">
                 <a:lumMod val="5000"/>
                 <a:lumOff val="95000"/>
@@ -4569,7 +5036,7 @@
                 <a:lumOff val="100000"/>
               </a:schemeClr>
             </a:gs>
-            <a:gs pos="85000">
+            <a:gs pos="94000">
               <a:schemeClr val="accent3">
                 <a:lumMod val="45000"/>
                 <a:lumOff val="55000"/>
@@ -4685,8 +5152,8 @@
         </p:nvSpPr>
         <p:spPr>
           <a:xfrm>
-            <a:off x="710573" y="534932"/>
-            <a:ext cx="2671967" cy="1447194"/>
+            <a:off x="710574" y="534932"/>
+            <a:ext cx="2372596" cy="1258699"/>
           </a:xfrm>
           <a:prstGeom prst="roundRect">
             <a:avLst/>
@@ -4744,7 +5211,7 @@
         <p:spPr>
           <a:xfrm>
             <a:off x="4036423" y="843030"/>
-            <a:ext cx="3357153" cy="830997"/>
+            <a:ext cx="4943454" cy="830997"/>
           </a:xfrm>
           <a:prstGeom prst="rect">
             <a:avLst/>
@@ -4759,7 +5226,15 @@
           <a:p>
             <a:r>
               <a:rPr lang="en-RU" sz="4800" u="sng" dirty="0"/>
-              <a:t>Spy criteria:</a:t>
+              <a:t>Spy </a:t>
+            </a:r>
+            <a:r>
+              <a:rPr lang="en-GB" sz="4800" u="sng" dirty="0"/>
+              <a:t>search criteria</a:t>
+            </a:r>
+            <a:r>
+              <a:rPr lang="en-RU" sz="4800" u="sng" dirty="0"/>
+              <a:t>:</a:t>
             </a:r>
           </a:p>
         </p:txBody>
@@ -4791,8 +5266,8 @@
         </p:blipFill>
         <p:spPr bwMode="auto">
           <a:xfrm>
-            <a:off x="8764655" y="31438"/>
-            <a:ext cx="3427345" cy="3195088"/>
+            <a:off x="9699556" y="-14096"/>
+            <a:ext cx="2492444" cy="2323542"/>
           </a:xfrm>
           <a:prstGeom prst="rect">
             <a:avLst/>
@@ -4838,8 +5313,8 @@
         </p:blipFill>
         <p:spPr bwMode="auto">
           <a:xfrm rot="1115795">
-            <a:off x="8966202" y="3038067"/>
-            <a:ext cx="3895634" cy="3895634"/>
+            <a:off x="10278145" y="4184514"/>
+            <a:ext cx="2358934" cy="2358934"/>
           </a:xfrm>
           <a:prstGeom prst="rect">
             <a:avLst/>
@@ -4866,13 +5341,13 @@
   <p:clrMapOvr>
     <a:masterClrMapping/>
   </p:clrMapOvr>
-  <mc:AlternateContent xmlns:mc="http://schemas.openxmlformats.org/markup-compatibility/2006">
-    <mc:Choice xmlns:p159="http://schemas.microsoft.com/office/powerpoint/2015/09/main" Requires="p159">
+  <mc:AlternateContent xmlns:mc="http://schemas.openxmlformats.org/markup-compatibility/2006" xmlns:p159="http://schemas.microsoft.com/office/powerpoint/2015/09/main">
+    <mc:Choice Requires="p159">
       <p:transition xmlns:p14="http://schemas.microsoft.com/office/powerpoint/2010/main" spd="slow" p14:dur="2000">
         <p159:morph option="byObject"/>
       </p:transition>
     </mc:Choice>
-    <mc:Fallback>
+    <mc:Fallback xmlns="">
       <p:transition spd="slow">
         <p:fade/>
       </p:transition>
@@ -4913,7 +5388,7 @@
           <p:nvPr/>
         </p:nvPicPr>
         <p:blipFill rotWithShape="1">
-          <a:blip r:embed="rId2">
+          <a:blip r:embed="rId3">
             <a:extLst>
               <a:ext uri="{28A0092B-C50C-407E-A947-70E740481C1C}">
                 <a14:useLocalDpi xmlns:a14="http://schemas.microsoft.com/office/drawing/2010/main" val="0"/>
@@ -5196,6 +5671,10 @@
           </a:p>
           <a:p>
             <a:r>
+              <a:rPr lang="en-GB" sz="3200" dirty="0"/>
+              <a:t>Adobe reader, </a:t>
+            </a:r>
+            <a:r>
               <a:rPr lang="en-RU" sz="3200" dirty="0"/>
               <a:t>Kotlin </a:t>
             </a:r>
@@ -5220,7 +5699,7 @@
           <p:nvPr/>
         </p:nvPicPr>
         <p:blipFill>
-          <a:blip r:embed="rId3">
+          <a:blip r:embed="rId4">
             <a:extLst>
               <a:ext uri="{28A0092B-C50C-407E-A947-70E740481C1C}">
                 <a14:useLocalDpi xmlns:a14="http://schemas.microsoft.com/office/drawing/2010/main" val="0"/>
@@ -5302,7 +5781,7 @@
           <p:nvPr/>
         </p:nvPicPr>
         <p:blipFill>
-          <a:blip r:embed="rId3">
+          <a:blip r:embed="rId4">
             <a:extLst>
               <a:ext uri="{28A0092B-C50C-407E-A947-70E740481C1C}">
                 <a14:useLocalDpi xmlns:a14="http://schemas.microsoft.com/office/drawing/2010/main" val="0"/>
@@ -5348,7 +5827,7 @@
         </p:nvSpPr>
         <p:spPr>
           <a:xfrm>
-            <a:off x="5860618" y="4155141"/>
+            <a:off x="6514985" y="4212126"/>
             <a:ext cx="1734671" cy="584775"/>
           </a:xfrm>
           <a:prstGeom prst="rect">
@@ -5379,13 +5858,13 @@
   <p:clrMapOvr>
     <a:masterClrMapping/>
   </p:clrMapOvr>
-  <mc:AlternateContent xmlns:mc="http://schemas.openxmlformats.org/markup-compatibility/2006">
-    <mc:Choice xmlns:p159="http://schemas.microsoft.com/office/powerpoint/2015/09/main" Requires="p159">
+  <mc:AlternateContent xmlns:mc="http://schemas.openxmlformats.org/markup-compatibility/2006" xmlns:p159="http://schemas.microsoft.com/office/powerpoint/2015/09/main">
+    <mc:Choice Requires="p159">
       <p:transition xmlns:p14="http://schemas.microsoft.com/office/powerpoint/2010/main" spd="slow" p14:dur="2000">
         <p159:morph option="byObject"/>
       </p:transition>
     </mc:Choice>
-    <mc:Fallback>
+    <mc:Fallback xmlns="">
       <p:transition spd="slow">
         <p:fade/>
       </p:transition>
@@ -6740,6 +7219,1414 @@
   <p:clrMapOvr>
     <a:masterClrMapping/>
   </p:clrMapOvr>
+  <mc:AlternateContent xmlns:mc="http://schemas.openxmlformats.org/markup-compatibility/2006" xmlns:p159="http://schemas.microsoft.com/office/powerpoint/2015/09/main">
+    <mc:Choice Requires="p159">
+      <p:transition xmlns:p14="http://schemas.microsoft.com/office/powerpoint/2010/main" spd="slow" p14:dur="2000">
+        <p159:morph option="byObject"/>
+      </p:transition>
+    </mc:Choice>
+    <mc:Fallback xmlns="">
+      <p:transition spd="slow">
+        <p:fade/>
+      </p:transition>
+    </mc:Fallback>
+  </mc:AlternateContent>
+</p:sld>
+</file>
+
+<file path=ppt/slides/slide6.xml><?xml version="1.0" encoding="utf-8"?>
+<p:sld xmlns:a="http://schemas.openxmlformats.org/drawingml/2006/main" xmlns:r="http://schemas.openxmlformats.org/officeDocument/2006/relationships" xmlns:p="http://schemas.openxmlformats.org/presentationml/2006/main">
+  <p:cSld>
+    <p:spTree>
+      <p:nvGrpSpPr>
+        <p:cNvPr id="1" name=""/>
+        <p:cNvGrpSpPr/>
+        <p:nvPr/>
+      </p:nvGrpSpPr>
+      <p:grpSpPr>
+        <a:xfrm>
+          <a:off x="0" y="0"/>
+          <a:ext cx="0" cy="0"/>
+          <a:chOff x="0" y="0"/>
+          <a:chExt cx="0" cy="0"/>
+        </a:xfrm>
+      </p:grpSpPr>
+      <p:sp>
+        <p:nvSpPr>
+          <p:cNvPr id="3" name="Content Placeholder 2">
+            <a:extLst>
+              <a:ext uri="{FF2B5EF4-FFF2-40B4-BE49-F238E27FC236}">
+                <a16:creationId xmlns:a16="http://schemas.microsoft.com/office/drawing/2014/main" id="{D2D26177-C436-2B47-944E-C595CAEF0CC4}"/>
+              </a:ext>
+            </a:extLst>
+          </p:cNvPr>
+          <p:cNvSpPr>
+            <a:spLocks noGrp="1"/>
+          </p:cNvSpPr>
+          <p:nvPr>
+            <p:ph idx="1"/>
+          </p:nvPr>
+        </p:nvSpPr>
+        <p:spPr>
+          <a:xfrm>
+            <a:off x="704850" y="1944693"/>
+            <a:ext cx="10782300" cy="4642164"/>
+          </a:xfrm>
+        </p:spPr>
+        <p:txBody>
+          <a:bodyPr>
+            <a:normAutofit/>
+          </a:bodyPr>
+          <a:lstStyle/>
+          <a:p>
+            <a:r>
+              <a:rPr lang="en-RU" sz="3200" dirty="0">
+                <a:latin typeface="+mj-lt"/>
+              </a:rPr>
+              <a:t>Estimates are developed for each passenger </a:t>
+            </a:r>
+          </a:p>
+          <a:p>
+            <a:pPr marL="0" indent="0">
+              <a:buNone/>
+            </a:pPr>
+            <a:r>
+              <a:rPr lang="en-RU" sz="3200" dirty="0">
+                <a:latin typeface="+mj-lt"/>
+              </a:rPr>
+              <a:t>according to spy search criteria</a:t>
+            </a:r>
+          </a:p>
+          <a:p>
+            <a:r>
+              <a:rPr lang="en-GB" sz="3200" dirty="0">
+                <a:latin typeface="+mj-lt"/>
+              </a:rPr>
+              <a:t>Total number of flights is counted</a:t>
+            </a:r>
+          </a:p>
+          <a:p>
+            <a:r>
+              <a:rPr lang="en-RU" sz="3200" dirty="0">
+                <a:latin typeface="+mj-lt"/>
+              </a:rPr>
+              <a:t>Passenger </a:t>
+            </a:r>
+            <a:r>
+              <a:rPr lang="en-GB" sz="3200" dirty="0">
+                <a:latin typeface="+mj-lt"/>
+              </a:rPr>
+              <a:t>route tracking algorithm is created: number of circle and collapsed routes is counted</a:t>
+            </a:r>
+          </a:p>
+          <a:p>
+            <a:r>
+              <a:rPr lang="en-GB" sz="3200" dirty="0">
+                <a:latin typeface="+mj-lt"/>
+              </a:rPr>
+              <a:t>Minimum threshold of class turnover has been determined</a:t>
+            </a:r>
+          </a:p>
+          <a:p>
+            <a:r>
+              <a:rPr lang="en-GB" sz="3200" dirty="0">
+                <a:latin typeface="+mj-lt"/>
+              </a:rPr>
+              <a:t>Passenger’s meal requirement is estimated</a:t>
+            </a:r>
+          </a:p>
+          <a:p>
+            <a:r>
+              <a:rPr lang="en-GB" sz="3200" dirty="0">
+                <a:latin typeface="+mj-lt"/>
+              </a:rPr>
+              <a:t>Passenger’s baggage presence is determined</a:t>
+            </a:r>
+            <a:endParaRPr lang="en-RU" sz="3200" dirty="0">
+              <a:latin typeface="+mj-lt"/>
+            </a:endParaRPr>
+          </a:p>
+          <a:p>
+            <a:pPr marL="0" indent="0">
+              <a:buNone/>
+            </a:pPr>
+            <a:endParaRPr lang="en-RU" dirty="0">
+              <a:latin typeface="+mj-lt"/>
+            </a:endParaRPr>
+          </a:p>
+        </p:txBody>
+      </p:sp>
+      <p:sp>
+        <p:nvSpPr>
+          <p:cNvPr id="4" name="Rounded Rectangle 3">
+            <a:extLst>
+              <a:ext uri="{FF2B5EF4-FFF2-40B4-BE49-F238E27FC236}">
+                <a16:creationId xmlns:a16="http://schemas.microsoft.com/office/drawing/2014/main" id="{2BD39E90-4913-674B-A774-340C02E970A9}"/>
+              </a:ext>
+            </a:extLst>
+          </p:cNvPr>
+          <p:cNvSpPr/>
+          <p:nvPr/>
+        </p:nvSpPr>
+        <p:spPr>
+          <a:xfrm>
+            <a:off x="4404788" y="659042"/>
+            <a:ext cx="2794596" cy="1022801"/>
+          </a:xfrm>
+          <a:prstGeom prst="roundRect">
+            <a:avLst/>
+          </a:prstGeom>
+        </p:spPr>
+        <p:style>
+          <a:lnRef idx="2">
+            <a:schemeClr val="dk1">
+              <a:shade val="50000"/>
+            </a:schemeClr>
+          </a:lnRef>
+          <a:fillRef idx="1">
+            <a:schemeClr val="dk1"/>
+          </a:fillRef>
+          <a:effectRef idx="0">
+            <a:schemeClr val="dk1"/>
+          </a:effectRef>
+          <a:fontRef idx="minor">
+            <a:schemeClr val="lt1"/>
+          </a:fontRef>
+        </p:style>
+        <p:txBody>
+          <a:bodyPr rtlCol="0" anchor="ctr"/>
+          <a:lstStyle/>
+          <a:p>
+            <a:pPr algn="ctr"/>
+            <a:r>
+              <a:rPr lang="en-US" sz="3000" dirty="0">
+                <a:solidFill>
+                  <a:schemeClr val="bg1"/>
+                </a:solidFill>
+              </a:rPr>
+              <a:t>Model Building: Preparation</a:t>
+            </a:r>
+            <a:endParaRPr lang="en-RU" sz="3000" dirty="0">
+              <a:solidFill>
+                <a:schemeClr val="bg1"/>
+              </a:solidFill>
+            </a:endParaRPr>
+          </a:p>
+        </p:txBody>
+      </p:sp>
+      <p:pic>
+        <p:nvPicPr>
+          <p:cNvPr id="6" name="Graphic 5" descr="Aeroplane">
+            <a:extLst>
+              <a:ext uri="{FF2B5EF4-FFF2-40B4-BE49-F238E27FC236}">
+                <a16:creationId xmlns:a16="http://schemas.microsoft.com/office/drawing/2014/main" id="{E3B09AEE-AA0C-CE43-A953-ACBDB225808A}"/>
+              </a:ext>
+            </a:extLst>
+          </p:cNvPr>
+          <p:cNvPicPr>
+            <a:picLocks noChangeAspect="1"/>
+          </p:cNvPicPr>
+          <p:nvPr/>
+        </p:nvPicPr>
+        <p:blipFill>
+          <a:blip r:embed="rId2">
+            <a:extLst>
+              <a:ext uri="{96DAC541-7B7A-43D3-8B79-37D633B846F1}">
+                <asvg:svgBlip xmlns:asvg="http://schemas.microsoft.com/office/drawing/2016/SVG/main" r:embed="rId3"/>
+              </a:ext>
+            </a:extLst>
+          </a:blip>
+          <a:stretch>
+            <a:fillRect/>
+          </a:stretch>
+        </p:blipFill>
+        <p:spPr>
+          <a:xfrm rot="3662707">
+            <a:off x="1508697" y="534653"/>
+            <a:ext cx="1467520" cy="1467520"/>
+          </a:xfrm>
+          <a:prstGeom prst="rect">
+            <a:avLst/>
+          </a:prstGeom>
+        </p:spPr>
+      </p:pic>
+      <p:sp>
+        <p:nvSpPr>
+          <p:cNvPr id="19" name="Freeform 18">
+            <a:extLst>
+              <a:ext uri="{FF2B5EF4-FFF2-40B4-BE49-F238E27FC236}">
+                <a16:creationId xmlns:a16="http://schemas.microsoft.com/office/drawing/2014/main" id="{35E01E35-A253-0E49-AF2F-8B36A43693FE}"/>
+              </a:ext>
+            </a:extLst>
+          </p:cNvPr>
+          <p:cNvSpPr/>
+          <p:nvPr/>
+        </p:nvSpPr>
+        <p:spPr>
+          <a:xfrm>
+            <a:off x="2830286" y="173172"/>
+            <a:ext cx="6531428" cy="1030683"/>
+          </a:xfrm>
+          <a:custGeom>
+            <a:avLst/>
+            <a:gdLst>
+              <a:gd name="connsiteX0" fmla="*/ 0 w 6531428"/>
+              <a:gd name="connsiteY0" fmla="*/ 720441 h 1030683"/>
+              <a:gd name="connsiteX1" fmla="*/ 1632857 w 6531428"/>
+              <a:gd name="connsiteY1" fmla="*/ 99955 h 1030683"/>
+              <a:gd name="connsiteX2" fmla="*/ 3249385 w 6531428"/>
+              <a:gd name="connsiteY2" fmla="*/ 34641 h 1030683"/>
+              <a:gd name="connsiteX3" fmla="*/ 4898571 w 6531428"/>
+              <a:gd name="connsiteY3" fmla="*/ 442855 h 1030683"/>
+              <a:gd name="connsiteX4" fmla="*/ 6531428 w 6531428"/>
+              <a:gd name="connsiteY4" fmla="*/ 1030683 h 1030683"/>
+            </a:gdLst>
+            <a:ahLst/>
+            <a:cxnLst>
+              <a:cxn ang="0">
+                <a:pos x="connsiteX0" y="connsiteY0"/>
+              </a:cxn>
+              <a:cxn ang="0">
+                <a:pos x="connsiteX1" y="connsiteY1"/>
+              </a:cxn>
+              <a:cxn ang="0">
+                <a:pos x="connsiteX2" y="connsiteY2"/>
+              </a:cxn>
+              <a:cxn ang="0">
+                <a:pos x="connsiteX3" y="connsiteY3"/>
+              </a:cxn>
+              <a:cxn ang="0">
+                <a:pos x="connsiteX4" y="connsiteY4"/>
+              </a:cxn>
+            </a:cxnLst>
+            <a:rect l="l" t="t" r="r" b="b"/>
+            <a:pathLst>
+              <a:path w="6531428" h="1030683">
+                <a:moveTo>
+                  <a:pt x="0" y="720441"/>
+                </a:moveTo>
+                <a:cubicBezTo>
+                  <a:pt x="545646" y="467348"/>
+                  <a:pt x="1091293" y="214255"/>
+                  <a:pt x="1632857" y="99955"/>
+                </a:cubicBezTo>
+                <a:cubicBezTo>
+                  <a:pt x="2174421" y="-14345"/>
+                  <a:pt x="2705099" y="-22509"/>
+                  <a:pt x="3249385" y="34641"/>
+                </a:cubicBezTo>
+                <a:cubicBezTo>
+                  <a:pt x="3793671" y="91791"/>
+                  <a:pt x="4351564" y="276848"/>
+                  <a:pt x="4898571" y="442855"/>
+                </a:cubicBezTo>
+                <a:cubicBezTo>
+                  <a:pt x="5445578" y="608862"/>
+                  <a:pt x="5988503" y="819772"/>
+                  <a:pt x="6531428" y="1030683"/>
+                </a:cubicBezTo>
+              </a:path>
+            </a:pathLst>
+          </a:custGeom>
+          <a:noFill/>
+          <a:ln w="60325">
+            <a:solidFill>
+              <a:schemeClr val="tx1"/>
+            </a:solidFill>
+            <a:prstDash val="sysDot"/>
+          </a:ln>
+        </p:spPr>
+        <p:style>
+          <a:lnRef idx="2">
+            <a:schemeClr val="accent1">
+              <a:shade val="50000"/>
+            </a:schemeClr>
+          </a:lnRef>
+          <a:fillRef idx="1">
+            <a:schemeClr val="accent1"/>
+          </a:fillRef>
+          <a:effectRef idx="0">
+            <a:schemeClr val="accent1"/>
+          </a:effectRef>
+          <a:fontRef idx="minor">
+            <a:schemeClr val="lt1"/>
+          </a:fontRef>
+        </p:style>
+        <p:txBody>
+          <a:bodyPr rtlCol="0" anchor="ctr"/>
+          <a:lstStyle/>
+          <a:p>
+            <a:pPr algn="ctr"/>
+            <a:endParaRPr lang="en-RU"/>
+          </a:p>
+        </p:txBody>
+      </p:sp>
+      <p:pic>
+        <p:nvPicPr>
+          <p:cNvPr id="1028" name="Picture 4" descr="Agent icon. Spy sunglasses. Hat | Pre-Designed Photoshop Graphics ~  Creative Market">
+            <a:extLst>
+              <a:ext uri="{FF2B5EF4-FFF2-40B4-BE49-F238E27FC236}">
+                <a16:creationId xmlns:a16="http://schemas.microsoft.com/office/drawing/2014/main" id="{0333AE93-2EC7-A248-9B7C-47F950AEDC21}"/>
+              </a:ext>
+            </a:extLst>
+          </p:cNvPr>
+          <p:cNvPicPr>
+            <a:picLocks noChangeAspect="1" noChangeArrowheads="1"/>
+          </p:cNvPicPr>
+          <p:nvPr/>
+        </p:nvPicPr>
+        <p:blipFill>
+          <a:blip r:embed="rId4">
+            <a:extLst>
+              <a:ext uri="{28A0092B-C50C-407E-A947-70E740481C1C}">
+                <a14:useLocalDpi xmlns:a14="http://schemas.microsoft.com/office/drawing/2010/main" val="0"/>
+              </a:ext>
+            </a:extLst>
+          </a:blip>
+          <a:srcRect/>
+          <a:stretch>
+            <a:fillRect/>
+          </a:stretch>
+        </p:blipFill>
+        <p:spPr bwMode="auto">
+          <a:xfrm>
+            <a:off x="9406067" y="925397"/>
+            <a:ext cx="2663614" cy="1775742"/>
+          </a:xfrm>
+          <a:prstGeom prst="rect">
+            <a:avLst/>
+          </a:prstGeom>
+          <a:noFill/>
+          <a:extLst>
+            <a:ext uri="{909E8E84-426E-40DD-AFC4-6F175D3DCCD1}">
+              <a14:hiddenFill xmlns:a14="http://schemas.microsoft.com/office/drawing/2010/main">
+                <a:solidFill>
+                  <a:srgbClr val="FFFFFF"/>
+                </a:solidFill>
+              </a14:hiddenFill>
+            </a:ext>
+          </a:extLst>
+        </p:spPr>
+      </p:pic>
+      <p:pic>
+        <p:nvPicPr>
+          <p:cNvPr id="21" name="Graphic 20" descr="Briefcase">
+            <a:extLst>
+              <a:ext uri="{FF2B5EF4-FFF2-40B4-BE49-F238E27FC236}">
+                <a16:creationId xmlns:a16="http://schemas.microsoft.com/office/drawing/2014/main" id="{DAF33D32-EEFE-D345-B30E-1175716D93E2}"/>
+              </a:ext>
+            </a:extLst>
+          </p:cNvPr>
+          <p:cNvPicPr>
+            <a:picLocks noChangeAspect="1"/>
+          </p:cNvPicPr>
+          <p:nvPr/>
+        </p:nvPicPr>
+        <p:blipFill>
+          <a:blip r:embed="rId5">
+            <a:extLst>
+              <a:ext uri="{96DAC541-7B7A-43D3-8B79-37D633B846F1}">
+                <asvg:svgBlip xmlns:asvg="http://schemas.microsoft.com/office/drawing/2016/SVG/main" r:embed="rId6"/>
+              </a:ext>
+            </a:extLst>
+          </a:blip>
+          <a:stretch>
+            <a:fillRect/>
+          </a:stretch>
+        </p:blipFill>
+        <p:spPr>
+          <a:xfrm>
+            <a:off x="8926284" y="5489806"/>
+            <a:ext cx="903516" cy="903516"/>
+          </a:xfrm>
+          <a:prstGeom prst="rect">
+            <a:avLst/>
+          </a:prstGeom>
+        </p:spPr>
+      </p:pic>
+    </p:spTree>
+    <p:extLst>
+      <p:ext uri="{BB962C8B-B14F-4D97-AF65-F5344CB8AC3E}">
+        <p14:creationId xmlns:p14="http://schemas.microsoft.com/office/powerpoint/2010/main" val="2207754858"/>
+      </p:ext>
+    </p:extLst>
+  </p:cSld>
+  <p:clrMapOvr>
+    <a:masterClrMapping/>
+  </p:clrMapOvr>
+  <mc:AlternateContent xmlns:mc="http://schemas.openxmlformats.org/markup-compatibility/2006">
+    <mc:Choice xmlns:p159="http://schemas.microsoft.com/office/powerpoint/2015/09/main" Requires="p159">
+      <p:transition xmlns:p14="http://schemas.microsoft.com/office/powerpoint/2010/main" spd="slow" p14:dur="2000">
+        <p159:morph option="byObject"/>
+      </p:transition>
+    </mc:Choice>
+    <mc:Fallback>
+      <p:transition spd="slow">
+        <p:fade/>
+      </p:transition>
+    </mc:Fallback>
+  </mc:AlternateContent>
+</p:sld>
+</file>
+
+<file path=ppt/slides/slide7.xml><?xml version="1.0" encoding="utf-8"?>
+<p:sld xmlns:a="http://schemas.openxmlformats.org/drawingml/2006/main" xmlns:r="http://schemas.openxmlformats.org/officeDocument/2006/relationships" xmlns:p="http://schemas.openxmlformats.org/presentationml/2006/main">
+  <p:cSld>
+    <p:spTree>
+      <p:nvGrpSpPr>
+        <p:cNvPr id="1" name=""/>
+        <p:cNvGrpSpPr/>
+        <p:nvPr/>
+      </p:nvGrpSpPr>
+      <p:grpSpPr>
+        <a:xfrm>
+          <a:off x="0" y="0"/>
+          <a:ext cx="0" cy="0"/>
+          <a:chOff x="0" y="0"/>
+          <a:chExt cx="0" cy="0"/>
+        </a:xfrm>
+      </p:grpSpPr>
+      <p:sp>
+        <p:nvSpPr>
+          <p:cNvPr id="3" name="Content Placeholder 2">
+            <a:extLst>
+              <a:ext uri="{FF2B5EF4-FFF2-40B4-BE49-F238E27FC236}">
+                <a16:creationId xmlns:a16="http://schemas.microsoft.com/office/drawing/2014/main" id="{54F86327-8AD0-F34C-A0B3-542CCEAF659C}"/>
+              </a:ext>
+            </a:extLst>
+          </p:cNvPr>
+          <p:cNvSpPr>
+            <a:spLocks noGrp="1"/>
+          </p:cNvSpPr>
+          <p:nvPr>
+            <p:ph idx="1"/>
+          </p:nvPr>
+        </p:nvSpPr>
+        <p:spPr>
+          <a:xfrm>
+            <a:off x="424543" y="1841954"/>
+            <a:ext cx="11261271" cy="4351338"/>
+          </a:xfrm>
+        </p:spPr>
+        <p:txBody>
+          <a:bodyPr/>
+          <a:lstStyle/>
+          <a:p>
+            <a:pPr marL="0" indent="0">
+              <a:buNone/>
+            </a:pPr>
+            <a:r>
+              <a:rPr lang="en-GB" sz="3600" dirty="0" err="1">
+                <a:latin typeface="+mj-lt"/>
+              </a:rPr>
+              <a:t>IsolationForest</a:t>
+            </a:r>
+            <a:r>
+              <a:rPr lang="en-GB" sz="3600" dirty="0">
+                <a:latin typeface="+mj-lt"/>
+              </a:rPr>
+              <a:t> algorithm is used for anomaly detection</a:t>
+            </a:r>
+            <a:endParaRPr lang="ru-RU" sz="3600" dirty="0">
+              <a:latin typeface="+mj-lt"/>
+            </a:endParaRPr>
+          </a:p>
+          <a:p>
+            <a:pPr marL="0" indent="0">
+              <a:buNone/>
+            </a:pPr>
+            <a:endParaRPr lang="ru-RU" sz="3600" dirty="0">
+              <a:latin typeface="+mj-lt"/>
+            </a:endParaRPr>
+          </a:p>
+          <a:p>
+            <a:pPr marL="0" indent="0">
+              <a:buNone/>
+            </a:pPr>
+            <a:r>
+              <a:rPr lang="en-GB" sz="3200" dirty="0">
+                <a:latin typeface="+mj-lt"/>
+              </a:rPr>
+              <a:t>Pairwise distribution </a:t>
+            </a:r>
+          </a:p>
+          <a:p>
+            <a:pPr marL="0" indent="0">
+              <a:buNone/>
+            </a:pPr>
+            <a:r>
+              <a:rPr lang="en-GB" sz="3200" dirty="0">
+                <a:latin typeface="+mj-lt"/>
+              </a:rPr>
+              <a:t>of the number of </a:t>
+            </a:r>
+          </a:p>
+          <a:p>
+            <a:pPr marL="0" indent="0">
+              <a:buNone/>
+            </a:pPr>
+            <a:r>
+              <a:rPr lang="en-GB" sz="3200" dirty="0">
+                <a:solidFill>
+                  <a:schemeClr val="accent2"/>
+                </a:solidFill>
+                <a:latin typeface="+mj-lt"/>
+              </a:rPr>
+              <a:t>suspicious</a:t>
+            </a:r>
+            <a:r>
+              <a:rPr lang="en-GB" sz="3200" dirty="0">
+                <a:latin typeface="+mj-lt"/>
+              </a:rPr>
+              <a:t> </a:t>
+            </a:r>
+            <a:r>
+              <a:rPr lang="en-US" sz="3200" dirty="0">
+                <a:latin typeface="+mj-lt"/>
+              </a:rPr>
+              <a:t>and </a:t>
+            </a:r>
+            <a:r>
+              <a:rPr lang="en-US" sz="3200" dirty="0">
+                <a:solidFill>
+                  <a:schemeClr val="accent5">
+                    <a:lumMod val="50000"/>
+                  </a:schemeClr>
+                </a:solidFill>
+                <a:latin typeface="+mj-lt"/>
+              </a:rPr>
+              <a:t>normal</a:t>
+            </a:r>
+            <a:r>
+              <a:rPr lang="en-US" sz="3200" dirty="0">
+                <a:latin typeface="+mj-lt"/>
+              </a:rPr>
+              <a:t> </a:t>
+            </a:r>
+            <a:r>
+              <a:rPr lang="en-GB" sz="3200" dirty="0">
+                <a:latin typeface="+mj-lt"/>
+              </a:rPr>
+              <a:t>routes</a:t>
+            </a:r>
+            <a:r>
+              <a:rPr lang="en-US" sz="3200" dirty="0">
+                <a:latin typeface="+mj-lt"/>
+              </a:rPr>
+              <a:t>:</a:t>
+            </a:r>
+          </a:p>
+          <a:p>
+            <a:pPr marL="0" indent="0">
+              <a:buNone/>
+            </a:pPr>
+            <a:endParaRPr lang="en-GB" sz="3200" dirty="0">
+              <a:latin typeface="+mj-lt"/>
+            </a:endParaRPr>
+          </a:p>
+          <a:p>
+            <a:pPr marL="0" indent="0">
+              <a:buNone/>
+            </a:pPr>
+            <a:endParaRPr lang="en-RU" dirty="0"/>
+          </a:p>
+        </p:txBody>
+      </p:sp>
+      <p:sp>
+        <p:nvSpPr>
+          <p:cNvPr id="4" name="Rounded Rectangle 3">
+            <a:extLst>
+              <a:ext uri="{FF2B5EF4-FFF2-40B4-BE49-F238E27FC236}">
+                <a16:creationId xmlns:a16="http://schemas.microsoft.com/office/drawing/2014/main" id="{4D2942D3-A55A-4542-9840-B106CD2795B6}"/>
+              </a:ext>
+            </a:extLst>
+          </p:cNvPr>
+          <p:cNvSpPr/>
+          <p:nvPr/>
+        </p:nvSpPr>
+        <p:spPr>
+          <a:xfrm>
+            <a:off x="4643068" y="316139"/>
+            <a:ext cx="2905863" cy="1120775"/>
+          </a:xfrm>
+          <a:prstGeom prst="roundRect">
+            <a:avLst/>
+          </a:prstGeom>
+        </p:spPr>
+        <p:style>
+          <a:lnRef idx="2">
+            <a:schemeClr val="dk1">
+              <a:shade val="50000"/>
+            </a:schemeClr>
+          </a:lnRef>
+          <a:fillRef idx="1">
+            <a:schemeClr val="dk1"/>
+          </a:fillRef>
+          <a:effectRef idx="0">
+            <a:schemeClr val="dk1"/>
+          </a:effectRef>
+          <a:fontRef idx="minor">
+            <a:schemeClr val="lt1"/>
+          </a:fontRef>
+        </p:style>
+        <p:txBody>
+          <a:bodyPr rtlCol="0" anchor="ctr"/>
+          <a:lstStyle/>
+          <a:p>
+            <a:pPr algn="ctr"/>
+            <a:r>
+              <a:rPr lang="en-US" sz="3200" dirty="0">
+                <a:solidFill>
+                  <a:schemeClr val="bg1"/>
+                </a:solidFill>
+              </a:rPr>
+              <a:t>Model Building: </a:t>
+            </a:r>
+            <a:r>
+              <a:rPr lang="en-GB" sz="3200" dirty="0">
+                <a:solidFill>
+                  <a:schemeClr val="bg1"/>
+                </a:solidFill>
+              </a:rPr>
+              <a:t>A</a:t>
+            </a:r>
+            <a:r>
+              <a:rPr lang="en-GB" sz="3200" dirty="0"/>
+              <a:t>nalysis</a:t>
+            </a:r>
+            <a:endParaRPr lang="en-RU" sz="3200" dirty="0">
+              <a:solidFill>
+                <a:schemeClr val="bg1"/>
+              </a:solidFill>
+            </a:endParaRPr>
+          </a:p>
+        </p:txBody>
+      </p:sp>
+      <p:pic>
+        <p:nvPicPr>
+          <p:cNvPr id="6" name="Picture 5">
+            <a:extLst>
+              <a:ext uri="{FF2B5EF4-FFF2-40B4-BE49-F238E27FC236}">
+                <a16:creationId xmlns:a16="http://schemas.microsoft.com/office/drawing/2014/main" id="{4E7B0C5C-8CD8-5D43-A148-EAC4059FE8B4}"/>
+              </a:ext>
+            </a:extLst>
+          </p:cNvPr>
+          <p:cNvPicPr>
+            <a:picLocks noChangeAspect="1"/>
+          </p:cNvPicPr>
+          <p:nvPr/>
+        </p:nvPicPr>
+        <p:blipFill>
+          <a:blip r:embed="rId2"/>
+          <a:stretch>
+            <a:fillRect/>
+          </a:stretch>
+        </p:blipFill>
+        <p:spPr>
+          <a:xfrm>
+            <a:off x="5550668" y="2410500"/>
+            <a:ext cx="6396404" cy="4447500"/>
+          </a:xfrm>
+          <a:prstGeom prst="rect">
+            <a:avLst/>
+          </a:prstGeom>
+        </p:spPr>
+      </p:pic>
+      <p:pic>
+        <p:nvPicPr>
+          <p:cNvPr id="7" name="Graphic 6" descr="Aeroplane">
+            <a:extLst>
+              <a:ext uri="{FF2B5EF4-FFF2-40B4-BE49-F238E27FC236}">
+                <a16:creationId xmlns:a16="http://schemas.microsoft.com/office/drawing/2014/main" id="{532CA6EE-947F-F045-BF45-58AED1A54B3E}"/>
+              </a:ext>
+            </a:extLst>
+          </p:cNvPr>
+          <p:cNvPicPr>
+            <a:picLocks noChangeAspect="1"/>
+          </p:cNvPicPr>
+          <p:nvPr/>
+        </p:nvPicPr>
+        <p:blipFill>
+          <a:blip r:embed="rId3">
+            <a:extLst>
+              <a:ext uri="{96DAC541-7B7A-43D3-8B79-37D633B846F1}">
+                <asvg:svgBlip xmlns:asvg="http://schemas.microsoft.com/office/drawing/2016/SVG/main" r:embed="rId4"/>
+              </a:ext>
+            </a:extLst>
+          </a:blip>
+          <a:stretch>
+            <a:fillRect/>
+          </a:stretch>
+        </p:blipFill>
+        <p:spPr>
+          <a:xfrm rot="3496841">
+            <a:off x="9954784" y="110925"/>
+            <a:ext cx="1467520" cy="1467520"/>
+          </a:xfrm>
+          <a:prstGeom prst="rect">
+            <a:avLst/>
+          </a:prstGeom>
+        </p:spPr>
+      </p:pic>
+      <p:pic>
+        <p:nvPicPr>
+          <p:cNvPr id="8" name="Graphic 7" descr="Aeroplane">
+            <a:extLst>
+              <a:ext uri="{FF2B5EF4-FFF2-40B4-BE49-F238E27FC236}">
+                <a16:creationId xmlns:a16="http://schemas.microsoft.com/office/drawing/2014/main" id="{6B99F625-DAF2-F449-9AFB-2E444D47A05D}"/>
+              </a:ext>
+            </a:extLst>
+          </p:cNvPr>
+          <p:cNvPicPr>
+            <a:picLocks noChangeAspect="1"/>
+          </p:cNvPicPr>
+          <p:nvPr/>
+        </p:nvPicPr>
+        <p:blipFill>
+          <a:blip r:embed="rId3">
+            <a:extLst>
+              <a:ext uri="{96DAC541-7B7A-43D3-8B79-37D633B846F1}">
+                <asvg:svgBlip xmlns:asvg="http://schemas.microsoft.com/office/drawing/2016/SVG/main" r:embed="rId4"/>
+              </a:ext>
+            </a:extLst>
+          </a:blip>
+          <a:stretch>
+            <a:fillRect/>
+          </a:stretch>
+        </p:blipFill>
+        <p:spPr>
+          <a:xfrm rot="8496638">
+            <a:off x="782243" y="4983583"/>
+            <a:ext cx="1363879" cy="1363879"/>
+          </a:xfrm>
+          <a:prstGeom prst="rect">
+            <a:avLst/>
+          </a:prstGeom>
+        </p:spPr>
+      </p:pic>
+    </p:spTree>
+    <p:extLst>
+      <p:ext uri="{BB962C8B-B14F-4D97-AF65-F5344CB8AC3E}">
+        <p14:creationId xmlns:p14="http://schemas.microsoft.com/office/powerpoint/2010/main" val="4110822645"/>
+      </p:ext>
+    </p:extLst>
+  </p:cSld>
+  <p:clrMapOvr>
+    <a:masterClrMapping/>
+  </p:clrMapOvr>
+  <mc:AlternateContent xmlns:mc="http://schemas.openxmlformats.org/markup-compatibility/2006">
+    <mc:Choice xmlns:p159="http://schemas.microsoft.com/office/powerpoint/2015/09/main" Requires="p159">
+      <p:transition xmlns:p14="http://schemas.microsoft.com/office/powerpoint/2010/main" spd="slow" p14:dur="2000">
+        <p159:morph option="byObject"/>
+      </p:transition>
+    </mc:Choice>
+    <mc:Fallback>
+      <p:transition spd="slow">
+        <p:fade/>
+      </p:transition>
+    </mc:Fallback>
+  </mc:AlternateContent>
+</p:sld>
+</file>
+
+<file path=ppt/slides/slide8.xml><?xml version="1.0" encoding="utf-8"?>
+<p:sld xmlns:a="http://schemas.openxmlformats.org/drawingml/2006/main" xmlns:r="http://schemas.openxmlformats.org/officeDocument/2006/relationships" xmlns:p="http://schemas.openxmlformats.org/presentationml/2006/main">
+  <p:cSld>
+    <p:spTree>
+      <p:nvGrpSpPr>
+        <p:cNvPr id="1" name=""/>
+        <p:cNvGrpSpPr/>
+        <p:nvPr/>
+      </p:nvGrpSpPr>
+      <p:grpSpPr>
+        <a:xfrm>
+          <a:off x="0" y="0"/>
+          <a:ext cx="0" cy="0"/>
+          <a:chOff x="0" y="0"/>
+          <a:chExt cx="0" cy="0"/>
+        </a:xfrm>
+      </p:grpSpPr>
+      <p:sp>
+        <p:nvSpPr>
+          <p:cNvPr id="3" name="Content Placeholder 2">
+            <a:extLst>
+              <a:ext uri="{FF2B5EF4-FFF2-40B4-BE49-F238E27FC236}">
+                <a16:creationId xmlns:a16="http://schemas.microsoft.com/office/drawing/2014/main" id="{BE9137C5-7EC0-E44F-86D9-08C7E08F800F}"/>
+              </a:ext>
+            </a:extLst>
+          </p:cNvPr>
+          <p:cNvSpPr>
+            <a:spLocks noGrp="1"/>
+          </p:cNvSpPr>
+          <p:nvPr>
+            <p:ph idx="1"/>
+          </p:nvPr>
+        </p:nvSpPr>
+        <p:spPr>
+          <a:xfrm>
+            <a:off x="672193" y="1654005"/>
+            <a:ext cx="11356813" cy="4351338"/>
+          </a:xfrm>
+        </p:spPr>
+        <p:txBody>
+          <a:bodyPr/>
+          <a:lstStyle/>
+          <a:p>
+            <a:r>
+              <a:rPr lang="en-US" sz="3600" dirty="0">
+                <a:latin typeface="+mj-lt"/>
+              </a:rPr>
+              <a:t>Normal and spies passengers distributions are determined:</a:t>
+            </a:r>
+          </a:p>
+          <a:p>
+            <a:pPr marL="0" indent="0">
+              <a:buNone/>
+            </a:pPr>
+            <a:endParaRPr lang="en-US" sz="3200" dirty="0">
+              <a:latin typeface="+mj-lt"/>
+            </a:endParaRPr>
+          </a:p>
+          <a:p>
+            <a:endParaRPr lang="en-RU" dirty="0"/>
+          </a:p>
+        </p:txBody>
+      </p:sp>
+      <p:sp>
+        <p:nvSpPr>
+          <p:cNvPr id="4" name="Rounded Rectangle 3">
+            <a:extLst>
+              <a:ext uri="{FF2B5EF4-FFF2-40B4-BE49-F238E27FC236}">
+                <a16:creationId xmlns:a16="http://schemas.microsoft.com/office/drawing/2014/main" id="{1EFCF36D-474D-9A4E-82E1-AE7E5F06CC27}"/>
+              </a:ext>
+            </a:extLst>
+          </p:cNvPr>
+          <p:cNvSpPr/>
+          <p:nvPr/>
+        </p:nvSpPr>
+        <p:spPr>
+          <a:xfrm>
+            <a:off x="4627526" y="250826"/>
+            <a:ext cx="2936948" cy="1136765"/>
+          </a:xfrm>
+          <a:prstGeom prst="roundRect">
+            <a:avLst/>
+          </a:prstGeom>
+        </p:spPr>
+        <p:style>
+          <a:lnRef idx="2">
+            <a:schemeClr val="dk1">
+              <a:shade val="50000"/>
+            </a:schemeClr>
+          </a:lnRef>
+          <a:fillRef idx="1">
+            <a:schemeClr val="dk1"/>
+          </a:fillRef>
+          <a:effectRef idx="0">
+            <a:schemeClr val="dk1"/>
+          </a:effectRef>
+          <a:fontRef idx="minor">
+            <a:schemeClr val="lt1"/>
+          </a:fontRef>
+        </p:style>
+        <p:txBody>
+          <a:bodyPr rtlCol="0" anchor="ctr"/>
+          <a:lstStyle/>
+          <a:p>
+            <a:pPr algn="ctr"/>
+            <a:r>
+              <a:rPr lang="en-US" sz="3200" dirty="0">
+                <a:solidFill>
+                  <a:schemeClr val="bg1"/>
+                </a:solidFill>
+              </a:rPr>
+              <a:t>Model Building: </a:t>
+            </a:r>
+            <a:r>
+              <a:rPr lang="en-GB" sz="3200" dirty="0">
+                <a:solidFill>
+                  <a:schemeClr val="bg1"/>
+                </a:solidFill>
+              </a:rPr>
+              <a:t>A</a:t>
+            </a:r>
+            <a:r>
+              <a:rPr lang="en-GB" sz="3200" dirty="0"/>
+              <a:t>nalysis</a:t>
+            </a:r>
+            <a:endParaRPr lang="en-RU" sz="3200" dirty="0">
+              <a:solidFill>
+                <a:schemeClr val="bg1"/>
+              </a:solidFill>
+            </a:endParaRPr>
+          </a:p>
+        </p:txBody>
+      </p:sp>
+      <p:pic>
+        <p:nvPicPr>
+          <p:cNvPr id="6" name="Picture 5">
+            <a:extLst>
+              <a:ext uri="{FF2B5EF4-FFF2-40B4-BE49-F238E27FC236}">
+                <a16:creationId xmlns:a16="http://schemas.microsoft.com/office/drawing/2014/main" id="{02B3BEDD-BBFF-8742-BF22-4A48792ADE9C}"/>
+              </a:ext>
+            </a:extLst>
+          </p:cNvPr>
+          <p:cNvPicPr>
+            <a:picLocks noChangeAspect="1"/>
+          </p:cNvPicPr>
+          <p:nvPr/>
+        </p:nvPicPr>
+        <p:blipFill>
+          <a:blip r:embed="rId2"/>
+          <a:stretch>
+            <a:fillRect/>
+          </a:stretch>
+        </p:blipFill>
+        <p:spPr>
+          <a:xfrm>
+            <a:off x="386600" y="2492828"/>
+            <a:ext cx="5709400" cy="4114346"/>
+          </a:xfrm>
+          <a:prstGeom prst="rect">
+            <a:avLst/>
+          </a:prstGeom>
+        </p:spPr>
+      </p:pic>
+      <p:pic>
+        <p:nvPicPr>
+          <p:cNvPr id="8" name="Picture 7">
+            <a:extLst>
+              <a:ext uri="{FF2B5EF4-FFF2-40B4-BE49-F238E27FC236}">
+                <a16:creationId xmlns:a16="http://schemas.microsoft.com/office/drawing/2014/main" id="{2C0F5B67-DC3A-AF4C-9CCD-2E2DFC2204B7}"/>
+              </a:ext>
+            </a:extLst>
+          </p:cNvPr>
+          <p:cNvPicPr>
+            <a:picLocks noChangeAspect="1"/>
+          </p:cNvPicPr>
+          <p:nvPr/>
+        </p:nvPicPr>
+        <p:blipFill>
+          <a:blip r:embed="rId3"/>
+          <a:stretch>
+            <a:fillRect/>
+          </a:stretch>
+        </p:blipFill>
+        <p:spPr>
+          <a:xfrm>
+            <a:off x="6096000" y="2492828"/>
+            <a:ext cx="5933006" cy="4114346"/>
+          </a:xfrm>
+          <a:prstGeom prst="rect">
+            <a:avLst/>
+          </a:prstGeom>
+        </p:spPr>
+      </p:pic>
+      <p:pic>
+        <p:nvPicPr>
+          <p:cNvPr id="9" name="Graphic 8" descr="Aeroplane">
+            <a:extLst>
+              <a:ext uri="{FF2B5EF4-FFF2-40B4-BE49-F238E27FC236}">
+                <a16:creationId xmlns:a16="http://schemas.microsoft.com/office/drawing/2014/main" id="{9E22B847-83D5-8948-9A2F-935FA6B42460}"/>
+              </a:ext>
+            </a:extLst>
+          </p:cNvPr>
+          <p:cNvPicPr>
+            <a:picLocks noChangeAspect="1"/>
+          </p:cNvPicPr>
+          <p:nvPr/>
+        </p:nvPicPr>
+        <p:blipFill>
+          <a:blip r:embed="rId4">
+            <a:extLst>
+              <a:ext uri="{96DAC541-7B7A-43D3-8B79-37D633B846F1}">
+                <asvg:svgBlip xmlns:asvg="http://schemas.microsoft.com/office/drawing/2016/SVG/main" r:embed="rId5"/>
+              </a:ext>
+            </a:extLst>
+          </a:blip>
+          <a:stretch>
+            <a:fillRect/>
+          </a:stretch>
+        </p:blipFill>
+        <p:spPr>
+          <a:xfrm rot="3496841">
+            <a:off x="10448298" y="85447"/>
+            <a:ext cx="1467520" cy="1467520"/>
+          </a:xfrm>
+          <a:prstGeom prst="rect">
+            <a:avLst/>
+          </a:prstGeom>
+        </p:spPr>
+      </p:pic>
+      <p:pic>
+        <p:nvPicPr>
+          <p:cNvPr id="10" name="Picture 4" descr="Agent icon. Spy sunglasses. Hat | Pre-Designed Photoshop Graphics ~  Creative Market">
+            <a:extLst>
+              <a:ext uri="{FF2B5EF4-FFF2-40B4-BE49-F238E27FC236}">
+                <a16:creationId xmlns:a16="http://schemas.microsoft.com/office/drawing/2014/main" id="{6E40A8BC-EC6C-5D48-93AE-1119A553A89A}"/>
+              </a:ext>
+            </a:extLst>
+          </p:cNvPr>
+          <p:cNvPicPr>
+            <a:picLocks noChangeAspect="1" noChangeArrowheads="1"/>
+          </p:cNvPicPr>
+          <p:nvPr/>
+        </p:nvPicPr>
+        <p:blipFill rotWithShape="1">
+          <a:blip r:embed="rId6">
+            <a:extLst>
+              <a:ext uri="{28A0092B-C50C-407E-A947-70E740481C1C}">
+                <a14:useLocalDpi xmlns:a14="http://schemas.microsoft.com/office/drawing/2010/main" val="0"/>
+              </a:ext>
+            </a:extLst>
+          </a:blip>
+          <a:srcRect l="20200" t="14109" r="19111" b="17101"/>
+          <a:stretch/>
+        </p:blipFill>
+        <p:spPr bwMode="auto">
+          <a:xfrm>
+            <a:off x="966019" y="2921962"/>
+            <a:ext cx="1028367" cy="777083"/>
+          </a:xfrm>
+          <a:prstGeom prst="rect">
+            <a:avLst/>
+          </a:prstGeom>
+          <a:noFill/>
+          <a:extLst>
+            <a:ext uri="{909E8E84-426E-40DD-AFC4-6F175D3DCCD1}">
+              <a14:hiddenFill xmlns:a14="http://schemas.microsoft.com/office/drawing/2010/main">
+                <a:solidFill>
+                  <a:srgbClr val="FFFFFF"/>
+                </a:solidFill>
+              </a14:hiddenFill>
+            </a:ext>
+          </a:extLst>
+        </p:spPr>
+      </p:pic>
+    </p:spTree>
+    <p:extLst>
+      <p:ext uri="{BB962C8B-B14F-4D97-AF65-F5344CB8AC3E}">
+        <p14:creationId xmlns:p14="http://schemas.microsoft.com/office/powerpoint/2010/main" val="680817690"/>
+      </p:ext>
+    </p:extLst>
+  </p:cSld>
+  <p:clrMapOvr>
+    <a:masterClrMapping/>
+  </p:clrMapOvr>
+  <mc:AlternateContent xmlns:mc="http://schemas.openxmlformats.org/markup-compatibility/2006">
+    <mc:Choice xmlns:p159="http://schemas.microsoft.com/office/powerpoint/2015/09/main" Requires="p159">
+      <p:transition xmlns:p14="http://schemas.microsoft.com/office/powerpoint/2010/main" spd="slow" p14:dur="2000">
+        <p159:morph option="byObject"/>
+      </p:transition>
+    </mc:Choice>
+    <mc:Fallback>
+      <p:transition spd="slow">
+        <p:fade/>
+      </p:transition>
+    </mc:Fallback>
+  </mc:AlternateContent>
+</p:sld>
+</file>
+
+<file path=ppt/slides/slide9.xml><?xml version="1.0" encoding="utf-8"?>
+<p:sld xmlns:a="http://schemas.openxmlformats.org/drawingml/2006/main" xmlns:r="http://schemas.openxmlformats.org/officeDocument/2006/relationships" xmlns:p="http://schemas.openxmlformats.org/presentationml/2006/main">
+  <p:cSld>
+    <p:spTree>
+      <p:nvGrpSpPr>
+        <p:cNvPr id="1" name=""/>
+        <p:cNvGrpSpPr/>
+        <p:nvPr/>
+      </p:nvGrpSpPr>
+      <p:grpSpPr>
+        <a:xfrm>
+          <a:off x="0" y="0"/>
+          <a:ext cx="0" cy="0"/>
+          <a:chOff x="0" y="0"/>
+          <a:chExt cx="0" cy="0"/>
+        </a:xfrm>
+      </p:grpSpPr>
+      <p:sp>
+        <p:nvSpPr>
+          <p:cNvPr id="3" name="Content Placeholder 2">
+            <a:extLst>
+              <a:ext uri="{FF2B5EF4-FFF2-40B4-BE49-F238E27FC236}">
+                <a16:creationId xmlns:a16="http://schemas.microsoft.com/office/drawing/2014/main" id="{BE9137C5-7EC0-E44F-86D9-08C7E08F800F}"/>
+              </a:ext>
+            </a:extLst>
+          </p:cNvPr>
+          <p:cNvSpPr>
+            <a:spLocks noGrp="1"/>
+          </p:cNvSpPr>
+          <p:nvPr>
+            <p:ph idx="1"/>
+          </p:nvPr>
+        </p:nvSpPr>
+        <p:spPr>
+          <a:xfrm>
+            <a:off x="817579" y="1436914"/>
+            <a:ext cx="10847614" cy="4351338"/>
+          </a:xfrm>
+        </p:spPr>
+        <p:txBody>
+          <a:bodyPr/>
+          <a:lstStyle/>
+          <a:p>
+            <a:r>
+              <a:rPr lang="en-US" sz="3200" dirty="0">
+                <a:latin typeface="+mj-lt"/>
+              </a:rPr>
+              <a:t>Normal and spies passengers distributions are determined amongst </a:t>
+            </a:r>
+            <a:r>
+              <a:rPr lang="en-US" sz="3200" dirty="0">
+                <a:solidFill>
+                  <a:schemeClr val="accent2"/>
+                </a:solidFill>
+                <a:latin typeface="+mj-lt"/>
+              </a:rPr>
+              <a:t>collapsed</a:t>
+            </a:r>
+            <a:r>
+              <a:rPr lang="en-US" sz="3200" dirty="0">
+                <a:latin typeface="+mj-lt"/>
+              </a:rPr>
+              <a:t> routs:</a:t>
+            </a:r>
+          </a:p>
+          <a:p>
+            <a:pPr marL="0" indent="0">
+              <a:buNone/>
+            </a:pPr>
+            <a:endParaRPr lang="en-US" sz="3200" dirty="0">
+              <a:latin typeface="+mj-lt"/>
+            </a:endParaRPr>
+          </a:p>
+          <a:p>
+            <a:endParaRPr lang="en-RU" dirty="0"/>
+          </a:p>
+        </p:txBody>
+      </p:sp>
+      <p:sp>
+        <p:nvSpPr>
+          <p:cNvPr id="4" name="Rounded Rectangle 3">
+            <a:extLst>
+              <a:ext uri="{FF2B5EF4-FFF2-40B4-BE49-F238E27FC236}">
+                <a16:creationId xmlns:a16="http://schemas.microsoft.com/office/drawing/2014/main" id="{1EFCF36D-474D-9A4E-82E1-AE7E5F06CC27}"/>
+              </a:ext>
+            </a:extLst>
+          </p:cNvPr>
+          <p:cNvSpPr/>
+          <p:nvPr/>
+        </p:nvSpPr>
+        <p:spPr>
+          <a:xfrm>
+            <a:off x="4617452" y="192370"/>
+            <a:ext cx="2957096" cy="1055121"/>
+          </a:xfrm>
+          <a:prstGeom prst="roundRect">
+            <a:avLst/>
+          </a:prstGeom>
+        </p:spPr>
+        <p:style>
+          <a:lnRef idx="2">
+            <a:schemeClr val="dk1">
+              <a:shade val="50000"/>
+            </a:schemeClr>
+          </a:lnRef>
+          <a:fillRef idx="1">
+            <a:schemeClr val="dk1"/>
+          </a:fillRef>
+          <a:effectRef idx="0">
+            <a:schemeClr val="dk1"/>
+          </a:effectRef>
+          <a:fontRef idx="minor">
+            <a:schemeClr val="lt1"/>
+          </a:fontRef>
+        </p:style>
+        <p:txBody>
+          <a:bodyPr rtlCol="0" anchor="ctr"/>
+          <a:lstStyle/>
+          <a:p>
+            <a:pPr algn="ctr"/>
+            <a:r>
+              <a:rPr lang="en-US" sz="3200" dirty="0">
+                <a:solidFill>
+                  <a:schemeClr val="bg1"/>
+                </a:solidFill>
+              </a:rPr>
+              <a:t>Model Building: </a:t>
+            </a:r>
+            <a:r>
+              <a:rPr lang="en-GB" sz="3200" dirty="0">
+                <a:solidFill>
+                  <a:schemeClr val="bg1"/>
+                </a:solidFill>
+              </a:rPr>
+              <a:t>A</a:t>
+            </a:r>
+            <a:r>
+              <a:rPr lang="en-GB" sz="3200" dirty="0"/>
+              <a:t>nalysis</a:t>
+            </a:r>
+            <a:endParaRPr lang="en-RU" sz="3200" dirty="0">
+              <a:solidFill>
+                <a:schemeClr val="bg1"/>
+              </a:solidFill>
+            </a:endParaRPr>
+          </a:p>
+        </p:txBody>
+      </p:sp>
+      <p:pic>
+        <p:nvPicPr>
+          <p:cNvPr id="5" name="Picture 4">
+            <a:extLst>
+              <a:ext uri="{FF2B5EF4-FFF2-40B4-BE49-F238E27FC236}">
+                <a16:creationId xmlns:a16="http://schemas.microsoft.com/office/drawing/2014/main" id="{761F4CA0-EB3A-A540-AE19-BA96D12C2552}"/>
+              </a:ext>
+            </a:extLst>
+          </p:cNvPr>
+          <p:cNvPicPr>
+            <a:picLocks noChangeAspect="1"/>
+          </p:cNvPicPr>
+          <p:nvPr/>
+        </p:nvPicPr>
+        <p:blipFill>
+          <a:blip r:embed="rId2"/>
+          <a:stretch>
+            <a:fillRect/>
+          </a:stretch>
+        </p:blipFill>
+        <p:spPr>
+          <a:xfrm>
+            <a:off x="62172" y="2542837"/>
+            <a:ext cx="6179214" cy="4189297"/>
+          </a:xfrm>
+          <a:prstGeom prst="rect">
+            <a:avLst/>
+          </a:prstGeom>
+        </p:spPr>
+      </p:pic>
+      <p:pic>
+        <p:nvPicPr>
+          <p:cNvPr id="9" name="Picture 8">
+            <a:extLst>
+              <a:ext uri="{FF2B5EF4-FFF2-40B4-BE49-F238E27FC236}">
+                <a16:creationId xmlns:a16="http://schemas.microsoft.com/office/drawing/2014/main" id="{E4E33F47-3666-6E4E-8926-CE5A8405BB87}"/>
+              </a:ext>
+            </a:extLst>
+          </p:cNvPr>
+          <p:cNvPicPr>
+            <a:picLocks noChangeAspect="1"/>
+          </p:cNvPicPr>
+          <p:nvPr/>
+        </p:nvPicPr>
+        <p:blipFill>
+          <a:blip r:embed="rId3"/>
+          <a:stretch>
+            <a:fillRect/>
+          </a:stretch>
+        </p:blipFill>
+        <p:spPr>
+          <a:xfrm>
+            <a:off x="5863683" y="2607695"/>
+            <a:ext cx="6179214" cy="4124439"/>
+          </a:xfrm>
+          <a:prstGeom prst="rect">
+            <a:avLst/>
+          </a:prstGeom>
+        </p:spPr>
+      </p:pic>
+      <p:pic>
+        <p:nvPicPr>
+          <p:cNvPr id="10" name="Graphic 9" descr="Aeroplane">
+            <a:extLst>
+              <a:ext uri="{FF2B5EF4-FFF2-40B4-BE49-F238E27FC236}">
+                <a16:creationId xmlns:a16="http://schemas.microsoft.com/office/drawing/2014/main" id="{2E08EE11-AEFE-2642-AD7E-F2D85285A2AF}"/>
+              </a:ext>
+            </a:extLst>
+          </p:cNvPr>
+          <p:cNvPicPr>
+            <a:picLocks noChangeAspect="1"/>
+          </p:cNvPicPr>
+          <p:nvPr/>
+        </p:nvPicPr>
+        <p:blipFill>
+          <a:blip r:embed="rId4">
+            <a:extLst>
+              <a:ext uri="{96DAC541-7B7A-43D3-8B79-37D633B846F1}">
+                <asvg:svgBlip xmlns:asvg="http://schemas.microsoft.com/office/drawing/2016/SVG/main" r:embed="rId5"/>
+              </a:ext>
+            </a:extLst>
+          </a:blip>
+          <a:stretch>
+            <a:fillRect/>
+          </a:stretch>
+        </p:blipFill>
+        <p:spPr>
+          <a:xfrm rot="8496638">
+            <a:off x="10402961" y="276056"/>
+            <a:ext cx="1363879" cy="1363879"/>
+          </a:xfrm>
+          <a:prstGeom prst="rect">
+            <a:avLst/>
+          </a:prstGeom>
+        </p:spPr>
+      </p:pic>
+      <p:pic>
+        <p:nvPicPr>
+          <p:cNvPr id="12" name="Picture 4" descr="Agent icon. Spy sunglasses. Hat | Pre-Designed Photoshop Graphics ~  Creative Market">
+            <a:extLst>
+              <a:ext uri="{FF2B5EF4-FFF2-40B4-BE49-F238E27FC236}">
+                <a16:creationId xmlns:a16="http://schemas.microsoft.com/office/drawing/2014/main" id="{B52A62D1-89AC-6F4F-9C0C-44DF803CD738}"/>
+              </a:ext>
+            </a:extLst>
+          </p:cNvPr>
+          <p:cNvPicPr>
+            <a:picLocks noChangeAspect="1" noChangeArrowheads="1"/>
+          </p:cNvPicPr>
+          <p:nvPr/>
+        </p:nvPicPr>
+        <p:blipFill rotWithShape="1">
+          <a:blip r:embed="rId6">
+            <a:extLst>
+              <a:ext uri="{28A0092B-C50C-407E-A947-70E740481C1C}">
+                <a14:useLocalDpi xmlns:a14="http://schemas.microsoft.com/office/drawing/2010/main" val="0"/>
+              </a:ext>
+            </a:extLst>
+          </a:blip>
+          <a:srcRect l="20200" t="14109" r="19111" b="17101"/>
+          <a:stretch/>
+        </p:blipFill>
+        <p:spPr bwMode="auto">
+          <a:xfrm>
+            <a:off x="817579" y="3040458"/>
+            <a:ext cx="1028367" cy="777083"/>
+          </a:xfrm>
+          <a:prstGeom prst="rect">
+            <a:avLst/>
+          </a:prstGeom>
+          <a:noFill/>
+          <a:extLst>
+            <a:ext uri="{909E8E84-426E-40DD-AFC4-6F175D3DCCD1}">
+              <a14:hiddenFill xmlns:a14="http://schemas.microsoft.com/office/drawing/2010/main">
+                <a:solidFill>
+                  <a:srgbClr val="FFFFFF"/>
+                </a:solidFill>
+              </a14:hiddenFill>
+            </a:ext>
+          </a:extLst>
+        </p:spPr>
+      </p:pic>
+    </p:spTree>
+    <p:extLst>
+      <p:ext uri="{BB962C8B-B14F-4D97-AF65-F5344CB8AC3E}">
+        <p14:creationId xmlns:p14="http://schemas.microsoft.com/office/powerpoint/2010/main" val="188944152"/>
+      </p:ext>
+    </p:extLst>
+  </p:cSld>
+  <p:clrMapOvr>
+    <a:masterClrMapping/>
+  </p:clrMapOvr>
   <mc:AlternateContent xmlns:mc="http://schemas.openxmlformats.org/markup-compatibility/2006">
     <mc:Choice xmlns:p159="http://schemas.microsoft.com/office/powerpoint/2015/09/main" Requires="p159">
       <p:transition xmlns:p14="http://schemas.microsoft.com/office/powerpoint/2010/main" spd="slow" p14:dur="2000">

--- a/DS russian spies.pptx
+++ b/DS russian spies.pptx
@@ -4542,36 +4542,6 @@
       </p:sp>
       <p:pic>
         <p:nvPicPr>
-          <p:cNvPr id="6" name="Picture 5">
-            <a:extLst>
-              <a:ext uri="{FF2B5EF4-FFF2-40B4-BE49-F238E27FC236}">
-                <a16:creationId xmlns:a16="http://schemas.microsoft.com/office/drawing/2014/main" id="{12DF6C93-E3FC-A140-B178-9511BA9E5E1C}"/>
-              </a:ext>
-            </a:extLst>
-          </p:cNvPr>
-          <p:cNvPicPr>
-            <a:picLocks noChangeAspect="1"/>
-          </p:cNvPicPr>
-          <p:nvPr/>
-        </p:nvPicPr>
-        <p:blipFill>
-          <a:blip r:embed="rId2"/>
-          <a:stretch>
-            <a:fillRect/>
-          </a:stretch>
-        </p:blipFill>
-        <p:spPr>
-          <a:xfrm>
-            <a:off x="296110" y="1296195"/>
-            <a:ext cx="9441832" cy="5359628"/>
-          </a:xfrm>
-          <a:prstGeom prst="rect">
-            <a:avLst/>
-          </a:prstGeom>
-        </p:spPr>
-      </p:pic>
-      <p:pic>
-        <p:nvPicPr>
           <p:cNvPr id="5122" name="Picture 2" descr="Logo, Computer Icons, Silhouette, Black, Black And - Spy Clipart Black And  White | Transparent PNG Download #726989 - Vippng">
             <a:extLst>
               <a:ext uri="{FF2B5EF4-FFF2-40B4-BE49-F238E27FC236}">
@@ -4585,7 +4555,7 @@
           <p:nvPr/>
         </p:nvPicPr>
         <p:blipFill>
-          <a:blip r:embed="rId3">
+          <a:blip r:embed="rId2">
             <a:extLst>
               <a:ext uri="{28A0092B-C50C-407E-A947-70E740481C1C}">
                 <a14:useLocalDpi xmlns:a14="http://schemas.microsoft.com/office/drawing/2010/main" val="0"/>
@@ -4632,7 +4602,7 @@
           <p:nvPr/>
         </p:nvPicPr>
         <p:blipFill rotWithShape="1">
-          <a:blip r:embed="rId4">
+          <a:blip r:embed="rId3">
             <a:extLst>
               <a:ext uri="{28A0092B-C50C-407E-A947-70E740481C1C}">
                 <a14:useLocalDpi xmlns:a14="http://schemas.microsoft.com/office/drawing/2010/main" val="0"/>
@@ -4662,6 +4632,36 @@
           </a:extLst>
         </p:spPr>
       </p:pic>
+      <p:pic>
+        <p:nvPicPr>
+          <p:cNvPr id="5" name="Picture 4">
+            <a:extLst>
+              <a:ext uri="{FF2B5EF4-FFF2-40B4-BE49-F238E27FC236}">
+                <a16:creationId xmlns:a16="http://schemas.microsoft.com/office/drawing/2014/main" id="{5658E321-30D6-384D-93DD-8E7CD962BD5C}"/>
+              </a:ext>
+            </a:extLst>
+          </p:cNvPr>
+          <p:cNvPicPr>
+            <a:picLocks noChangeAspect="1"/>
+          </p:cNvPicPr>
+          <p:nvPr/>
+        </p:nvPicPr>
+        <p:blipFill>
+          <a:blip r:embed="rId4"/>
+          <a:stretch>
+            <a:fillRect/>
+          </a:stretch>
+        </p:blipFill>
+        <p:spPr>
+          <a:xfrm>
+            <a:off x="296110" y="1380391"/>
+            <a:ext cx="9418280" cy="5275429"/>
+          </a:xfrm>
+          <a:prstGeom prst="rect">
+            <a:avLst/>
+          </a:prstGeom>
+        </p:spPr>
+      </p:pic>
     </p:spTree>
     <p:extLst>
       <p:ext uri="{BB962C8B-B14F-4D97-AF65-F5344CB8AC3E}">
@@ -4672,13 +4672,13 @@
   <p:clrMapOvr>
     <a:masterClrMapping/>
   </p:clrMapOvr>
-  <mc:AlternateContent xmlns:mc="http://schemas.openxmlformats.org/markup-compatibility/2006">
-    <mc:Choice xmlns:p159="http://schemas.microsoft.com/office/powerpoint/2015/09/main" Requires="p159">
+  <mc:AlternateContent xmlns:mc="http://schemas.openxmlformats.org/markup-compatibility/2006" xmlns:p159="http://schemas.microsoft.com/office/powerpoint/2015/09/main">
+    <mc:Choice Requires="p159">
       <p:transition xmlns:p14="http://schemas.microsoft.com/office/powerpoint/2010/main" spd="slow" p14:dur="2000">
         <p159:morph option="byObject"/>
       </p:transition>
     </mc:Choice>
-    <mc:Fallback>
+    <mc:Fallback xmlns="">
       <p:transition spd="slow">
         <p:fade/>
       </p:transition>
@@ -7654,13 +7654,13 @@
   <p:clrMapOvr>
     <a:masterClrMapping/>
   </p:clrMapOvr>
-  <mc:AlternateContent xmlns:mc="http://schemas.openxmlformats.org/markup-compatibility/2006">
-    <mc:Choice xmlns:p159="http://schemas.microsoft.com/office/powerpoint/2015/09/main" Requires="p159">
+  <mc:AlternateContent xmlns:mc="http://schemas.openxmlformats.org/markup-compatibility/2006" xmlns:p159="http://schemas.microsoft.com/office/powerpoint/2015/09/main">
+    <mc:Choice Requires="p159">
       <p:transition xmlns:p14="http://schemas.microsoft.com/office/powerpoint/2010/main" spd="slow" p14:dur="2000">
         <p159:morph option="byObject"/>
       </p:transition>
     </mc:Choice>
-    <mc:Fallback>
+    <mc:Fallback xmlns="">
       <p:transition spd="slow">
         <p:fade/>
       </p:transition>
@@ -8014,13 +8014,13 @@
   <p:clrMapOvr>
     <a:masterClrMapping/>
   </p:clrMapOvr>
-  <mc:AlternateContent xmlns:mc="http://schemas.openxmlformats.org/markup-compatibility/2006">
-    <mc:Choice xmlns:p159="http://schemas.microsoft.com/office/powerpoint/2015/09/main" Requires="p159">
+  <mc:AlternateContent xmlns:mc="http://schemas.openxmlformats.org/markup-compatibility/2006" xmlns:p159="http://schemas.microsoft.com/office/powerpoint/2015/09/main">
+    <mc:Choice Requires="p159">
       <p:transition xmlns:p14="http://schemas.microsoft.com/office/powerpoint/2010/main" spd="slow" p14:dur="2000">
         <p159:morph option="byObject"/>
       </p:transition>
     </mc:Choice>
-    <mc:Fallback>
+    <mc:Fallback xmlns="">
       <p:transition spd="slow">
         <p:fade/>
       </p:transition>
@@ -8313,13 +8313,13 @@
   <p:clrMapOvr>
     <a:masterClrMapping/>
   </p:clrMapOvr>
-  <mc:AlternateContent xmlns:mc="http://schemas.openxmlformats.org/markup-compatibility/2006">
-    <mc:Choice xmlns:p159="http://schemas.microsoft.com/office/powerpoint/2015/09/main" Requires="p159">
+  <mc:AlternateContent xmlns:mc="http://schemas.openxmlformats.org/markup-compatibility/2006" xmlns:p159="http://schemas.microsoft.com/office/powerpoint/2015/09/main">
+    <mc:Choice Requires="p159">
       <p:transition xmlns:p14="http://schemas.microsoft.com/office/powerpoint/2010/main" spd="slow" p14:dur="2000">
         <p159:morph option="byObject"/>
       </p:transition>
     </mc:Choice>
-    <mc:Fallback>
+    <mc:Fallback xmlns="">
       <p:transition spd="slow">
         <p:fade/>
       </p:transition>
@@ -8627,13 +8627,13 @@
   <p:clrMapOvr>
     <a:masterClrMapping/>
   </p:clrMapOvr>
-  <mc:AlternateContent xmlns:mc="http://schemas.openxmlformats.org/markup-compatibility/2006">
-    <mc:Choice xmlns:p159="http://schemas.microsoft.com/office/powerpoint/2015/09/main" Requires="p159">
+  <mc:AlternateContent xmlns:mc="http://schemas.openxmlformats.org/markup-compatibility/2006" xmlns:p159="http://schemas.microsoft.com/office/powerpoint/2015/09/main">
+    <mc:Choice Requires="p159">
       <p:transition xmlns:p14="http://schemas.microsoft.com/office/powerpoint/2010/main" spd="slow" p14:dur="2000">
         <p159:morph option="byObject"/>
       </p:transition>
     </mc:Choice>
-    <mc:Fallback>
+    <mc:Fallback xmlns="">
       <p:transition spd="slow">
         <p:fade/>
       </p:transition>

--- a/DS russian spies.pptx
+++ b/DS russian spies.pptx
@@ -6003,7 +6003,7 @@
           <p:nvPr>
             <p:extLst>
               <p:ext uri="{D42A27DB-BD31-4B8C-83A1-F6EECF244321}">
-                <p14:modId xmlns:p14="http://schemas.microsoft.com/office/powerpoint/2010/main" val="1757037047"/>
+                <p14:modId xmlns:p14="http://schemas.microsoft.com/office/powerpoint/2010/main" val="3985501841"/>
               </p:ext>
             </p:extLst>
           </p:nvPr>
@@ -6426,7 +6426,7 @@
                         <a:t>birth_date</a:t>
                       </a:r>
                       <a:r>
-                        <a:rPr lang="en-GB" sz="1800" b="0" i="0" u="none" strike="noStrike" kern="1200" dirty="0">
+                        <a:rPr lang="en-GB" sz="1800" b="0" i="0" u="none" strike="noStrike" kern="1200">
                           <a:solidFill>
                             <a:schemeClr val="dk1"/>
                           </a:solidFill>
@@ -6435,10 +6435,10 @@
                           <a:ea typeface="+mn-ea"/>
                           <a:cs typeface="+mn-cs"/>
                         </a:rPr>
-                        <a:t>                        </a:t>
+                        <a:t>                                     </a:t>
                       </a:r>
                       <a:r>
-                        <a:rPr lang="en-GB" sz="1800" b="0" i="0" u="none" strike="noStrike" kern="1200" dirty="0">
+                        <a:rPr lang="en-US" sz="1800" b="0" i="0" u="none" strike="noStrike" kern="1200">
                           <a:solidFill>
                             <a:schemeClr val="tx1">
                               <a:lumMod val="50000"/>
@@ -6450,7 +6450,7 @@
                           <a:ea typeface="+mn-ea"/>
                           <a:cs typeface="+mn-cs"/>
                         </a:rPr>
-                        <a:t>varchar(30)</a:t>
+                        <a:t>date</a:t>
                       </a:r>
                       <a:endParaRPr lang="en-RU" dirty="0">
                         <a:solidFill>
